--- a/Obrada transakcija, planovi izvršavanja transakcija, izolacija i zaključavanje pp.pptx
+++ b/Obrada transakcija, planovi izvršavanja transakcija, izolacija i zaključavanje pp.pptx
@@ -18,10 +18,13 @@
     <p:sldId id="266" r:id="rId12"/>
     <p:sldId id="267" r:id="rId13"/>
     <p:sldId id="268" r:id="rId14"/>
-    <p:sldId id="269" r:id="rId15"/>
-    <p:sldId id="271" r:id="rId16"/>
-    <p:sldId id="270" r:id="rId17"/>
-    <p:sldId id="272" r:id="rId18"/>
+    <p:sldId id="273" r:id="rId15"/>
+    <p:sldId id="274" r:id="rId16"/>
+    <p:sldId id="269" r:id="rId17"/>
+    <p:sldId id="271" r:id="rId18"/>
+    <p:sldId id="275" r:id="rId19"/>
+    <p:sldId id="270" r:id="rId20"/>
+    <p:sldId id="272" r:id="rId21"/>
   </p:sldIdLst>
   <p:sldSz cx="12192000" cy="6858000"/>
   <p:notesSz cx="6858000" cy="9144000"/>
@@ -129,15 +132,28 @@
 </file>
 
 <file path=ppt/diagrams/colors1.xml><?xml version="1.0" encoding="utf-8"?>
-<dgm:colorsDef xmlns:dgm="http://schemas.openxmlformats.org/drawingml/2006/diagram" xmlns:a="http://schemas.openxmlformats.org/drawingml/2006/main" uniqueId="urn:microsoft.com/office/officeart/2005/8/colors/accent1_2">
+<dgm:colorsDef xmlns:dgm="http://schemas.openxmlformats.org/drawingml/2006/diagram" xmlns:a="http://schemas.openxmlformats.org/drawingml/2006/main" uniqueId="urn:microsoft.com/office/officeart/2005/8/colors/colorful4">
   <dgm:title val=""/>
   <dgm:desc val=""/>
   <dgm:catLst>
-    <dgm:cat type="accent1" pri="11200"/>
+    <dgm:cat type="colorful" pri="10400"/>
   </dgm:catLst>
   <dgm:styleLbl name="node0">
     <dgm:fillClrLst meth="repeat">
-      <a:schemeClr val="accent1"/>
+      <a:schemeClr val="accent3"/>
+    </dgm:fillClrLst>
+    <dgm:linClrLst meth="repeat">
+      <a:schemeClr val="lt1"/>
+    </dgm:linClrLst>
+    <dgm:effectClrLst/>
+    <dgm:txLinClrLst/>
+    <dgm:txFillClrLst/>
+    <dgm:txEffectClrLst/>
+  </dgm:styleLbl>
+  <dgm:styleLbl name="node1">
+    <dgm:fillClrLst>
+      <a:schemeClr val="accent4"/>
+      <a:schemeClr val="accent5"/>
     </dgm:fillClrLst>
     <dgm:linClrLst meth="repeat">
       <a:schemeClr val="lt1"/>
@@ -148,23 +164,13 @@
     <dgm:txEffectClrLst/>
   </dgm:styleLbl>
   <dgm:styleLbl name="alignNode1">
-    <dgm:fillClrLst meth="repeat">
-      <a:schemeClr val="accent1"/>
+    <dgm:fillClrLst>
+      <a:schemeClr val="accent4"/>
+      <a:schemeClr val="accent5"/>
     </dgm:fillClrLst>
-    <dgm:linClrLst meth="repeat">
-      <a:schemeClr val="accent1"/>
-    </dgm:linClrLst>
-    <dgm:effectClrLst/>
-    <dgm:txLinClrLst/>
-    <dgm:txFillClrLst/>
-    <dgm:txEffectClrLst/>
-  </dgm:styleLbl>
-  <dgm:styleLbl name="node1">
-    <dgm:fillClrLst meth="repeat">
-      <a:schemeClr val="accent1"/>
-    </dgm:fillClrLst>
-    <dgm:linClrLst meth="repeat">
-      <a:schemeClr val="lt1"/>
+    <dgm:linClrLst>
+      <a:schemeClr val="accent4"/>
+      <a:schemeClr val="accent5"/>
     </dgm:linClrLst>
     <dgm:effectClrLst/>
     <dgm:txLinClrLst/>
@@ -172,8 +178,9 @@
     <dgm:txEffectClrLst/>
   </dgm:styleLbl>
   <dgm:styleLbl name="lnNode1">
-    <dgm:fillClrLst meth="repeat">
-      <a:schemeClr val="accent1"/>
+    <dgm:fillClrLst>
+      <a:schemeClr val="accent4"/>
+      <a:schemeClr val="accent5"/>
     </dgm:fillClrLst>
     <dgm:linClrLst meth="repeat">
       <a:schemeClr val="lt1"/>
@@ -184,8 +191,11 @@
     <dgm:txEffectClrLst/>
   </dgm:styleLbl>
   <dgm:styleLbl name="vennNode1">
-    <dgm:fillClrLst meth="repeat">
-      <a:schemeClr val="accent1">
+    <dgm:fillClrLst>
+      <a:schemeClr val="accent4">
+        <a:alpha val="50000"/>
+      </a:schemeClr>
+      <a:schemeClr val="accent5">
         <a:alpha val="50000"/>
       </a:schemeClr>
     </dgm:fillClrLst>
@@ -198,8 +208,8 @@
     <dgm:txEffectClrLst/>
   </dgm:styleLbl>
   <dgm:styleLbl name="node2">
-    <dgm:fillClrLst meth="repeat">
-      <a:schemeClr val="accent1"/>
+    <dgm:fillClrLst>
+      <a:schemeClr val="accent5"/>
     </dgm:fillClrLst>
     <dgm:linClrLst meth="repeat">
       <a:schemeClr val="lt1"/>
@@ -210,8 +220,8 @@
     <dgm:txEffectClrLst/>
   </dgm:styleLbl>
   <dgm:styleLbl name="node3">
-    <dgm:fillClrLst meth="repeat">
-      <a:schemeClr val="accent1"/>
+    <dgm:fillClrLst>
+      <a:schemeClr val="accent6"/>
     </dgm:fillClrLst>
     <dgm:linClrLst meth="repeat">
       <a:schemeClr val="lt1"/>
@@ -222,7 +232,7 @@
     <dgm:txEffectClrLst/>
   </dgm:styleLbl>
   <dgm:styleLbl name="node4">
-    <dgm:fillClrLst meth="repeat">
+    <dgm:fillClrLst>
       <a:schemeClr val="accent1"/>
     </dgm:fillClrLst>
     <dgm:linClrLst meth="repeat">
@@ -234,8 +244,11 @@
     <dgm:txEffectClrLst/>
   </dgm:styleLbl>
   <dgm:styleLbl name="fgImgPlace1">
-    <dgm:fillClrLst meth="repeat">
-      <a:schemeClr val="accent1">
+    <dgm:fillClrLst>
+      <a:schemeClr val="accent4">
+        <a:tint val="50000"/>
+      </a:schemeClr>
+      <a:schemeClr val="accent5">
         <a:tint val="50000"/>
       </a:schemeClr>
     </dgm:fillClrLst>
@@ -250,9 +263,12 @@
     <dgm:txEffectClrLst/>
   </dgm:styleLbl>
   <dgm:styleLbl name="alignImgPlace1">
-    <dgm:fillClrLst meth="repeat">
-      <a:schemeClr val="accent1">
+    <dgm:fillClrLst>
+      <a:schemeClr val="accent4">
         <a:tint val="50000"/>
+      </a:schemeClr>
+      <a:schemeClr val="accent5">
+        <a:tint val="20000"/>
       </a:schemeClr>
     </dgm:fillClrLst>
     <dgm:linClrLst meth="repeat">
@@ -266,9 +282,12 @@
     <dgm:txEffectClrLst/>
   </dgm:styleLbl>
   <dgm:styleLbl name="bgImgPlace1">
-    <dgm:fillClrLst meth="repeat">
-      <a:schemeClr val="accent1">
+    <dgm:fillClrLst>
+      <a:schemeClr val="accent4">
         <a:tint val="50000"/>
+      </a:schemeClr>
+      <a:schemeClr val="accent5">
+        <a:tint val="20000"/>
       </a:schemeClr>
     </dgm:fillClrLst>
     <dgm:linClrLst meth="repeat">
@@ -282,15 +301,12 @@
     <dgm:txEffectClrLst/>
   </dgm:styleLbl>
   <dgm:styleLbl name="sibTrans2D1">
-    <dgm:fillClrLst meth="repeat">
-      <a:schemeClr val="accent1">
-        <a:tint val="60000"/>
-      </a:schemeClr>
+    <dgm:fillClrLst>
+      <a:schemeClr val="accent4"/>
+      <a:schemeClr val="accent5"/>
     </dgm:fillClrLst>
     <dgm:linClrLst meth="repeat">
-      <a:schemeClr val="accent1">
-        <a:tint val="60000"/>
-      </a:schemeClr>
+      <a:schemeClr val="lt1"/>
     </dgm:linClrLst>
     <dgm:effectClrLst/>
     <dgm:txLinClrLst/>
@@ -298,43 +314,40 @@
     <dgm:txEffectClrLst/>
   </dgm:styleLbl>
   <dgm:styleLbl name="fgSibTrans2D1">
-    <dgm:fillClrLst meth="repeat">
-      <a:schemeClr val="accent1">
-        <a:tint val="60000"/>
-      </a:schemeClr>
+    <dgm:fillClrLst>
+      <a:schemeClr val="accent4"/>
+      <a:schemeClr val="accent5"/>
     </dgm:fillClrLst>
     <dgm:linClrLst meth="repeat">
-      <a:schemeClr val="accent1">
-        <a:tint val="60000"/>
-      </a:schemeClr>
+      <a:schemeClr val="lt1"/>
     </dgm:linClrLst>
     <dgm:effectClrLst/>
     <dgm:txLinClrLst/>
-    <dgm:txFillClrLst/>
+    <dgm:txFillClrLst meth="repeat">
+      <a:schemeClr val="lt1"/>
+    </dgm:txFillClrLst>
     <dgm:txEffectClrLst/>
   </dgm:styleLbl>
   <dgm:styleLbl name="bgSibTrans2D1">
-    <dgm:fillClrLst meth="repeat">
-      <a:schemeClr val="accent1">
-        <a:tint val="60000"/>
-      </a:schemeClr>
+    <dgm:fillClrLst>
+      <a:schemeClr val="accent4"/>
+      <a:schemeClr val="accent5"/>
     </dgm:fillClrLst>
     <dgm:linClrLst meth="repeat">
-      <a:schemeClr val="accent1">
-        <a:tint val="60000"/>
-      </a:schemeClr>
+      <a:schemeClr val="lt1"/>
     </dgm:linClrLst>
     <dgm:effectClrLst/>
     <dgm:txLinClrLst/>
-    <dgm:txFillClrLst/>
+    <dgm:txFillClrLst meth="repeat">
+      <a:schemeClr val="lt1"/>
+    </dgm:txFillClrLst>
     <dgm:txEffectClrLst/>
   </dgm:styleLbl>
   <dgm:styleLbl name="sibTrans1D1">
-    <dgm:fillClrLst meth="repeat">
-      <a:schemeClr val="accent1"/>
-    </dgm:fillClrLst>
-    <dgm:linClrLst meth="repeat">
-      <a:schemeClr val="accent1"/>
+    <dgm:fillClrLst/>
+    <dgm:linClrLst>
+      <a:schemeClr val="accent4"/>
+      <a:schemeClr val="accent5"/>
     </dgm:linClrLst>
     <dgm:effectClrLst/>
     <dgm:txLinClrLst/>
@@ -345,10 +358,10 @@
   </dgm:styleLbl>
   <dgm:styleLbl name="callout">
     <dgm:fillClrLst meth="repeat">
-      <a:schemeClr val="accent1"/>
+      <a:schemeClr val="accent4"/>
     </dgm:fillClrLst>
     <dgm:linClrLst meth="repeat">
-      <a:schemeClr val="accent1">
+      <a:schemeClr val="accent4">
         <a:tint val="50000"/>
       </a:schemeClr>
     </dgm:linClrLst>
@@ -361,10 +374,12 @@
   </dgm:styleLbl>
   <dgm:styleLbl name="asst0">
     <dgm:fillClrLst meth="repeat">
-      <a:schemeClr val="accent1"/>
+      <a:schemeClr val="accent4"/>
     </dgm:fillClrLst>
     <dgm:linClrLst meth="repeat">
-      <a:schemeClr val="lt1"/>
+      <a:schemeClr val="lt1">
+        <a:shade val="80000"/>
+      </a:schemeClr>
     </dgm:linClrLst>
     <dgm:effectClrLst/>
     <dgm:txLinClrLst/>
@@ -373,10 +388,12 @@
   </dgm:styleLbl>
   <dgm:styleLbl name="asst1">
     <dgm:fillClrLst meth="repeat">
-      <a:schemeClr val="accent1"/>
+      <a:schemeClr val="accent5"/>
     </dgm:fillClrLst>
     <dgm:linClrLst meth="repeat">
-      <a:schemeClr val="lt1"/>
+      <a:schemeClr val="lt1">
+        <a:shade val="80000"/>
+      </a:schemeClr>
     </dgm:linClrLst>
     <dgm:effectClrLst/>
     <dgm:txLinClrLst/>
@@ -384,8 +401,8 @@
     <dgm:txEffectClrLst/>
   </dgm:styleLbl>
   <dgm:styleLbl name="asst2">
-    <dgm:fillClrLst meth="repeat">
-      <a:schemeClr val="accent1"/>
+    <dgm:fillClrLst>
+      <a:schemeClr val="accent6"/>
     </dgm:fillClrLst>
     <dgm:linClrLst meth="repeat">
       <a:schemeClr val="lt1"/>
@@ -396,7 +413,7 @@
     <dgm:txEffectClrLst/>
   </dgm:styleLbl>
   <dgm:styleLbl name="asst3">
-    <dgm:fillClrLst meth="repeat">
+    <dgm:fillClrLst>
       <a:schemeClr val="accent1"/>
     </dgm:fillClrLst>
     <dgm:linClrLst meth="repeat">
@@ -408,8 +425,8 @@
     <dgm:txEffectClrLst/>
   </dgm:styleLbl>
   <dgm:styleLbl name="asst4">
-    <dgm:fillClrLst meth="repeat">
-      <a:schemeClr val="accent1"/>
+    <dgm:fillClrLst>
+      <a:schemeClr val="accent2"/>
     </dgm:fillClrLst>
     <dgm:linClrLst meth="repeat">
       <a:schemeClr val="lt1"/>
@@ -421,14 +438,10 @@
   </dgm:styleLbl>
   <dgm:styleLbl name="parChTrans2D1">
     <dgm:fillClrLst meth="repeat">
-      <a:schemeClr val="accent1">
-        <a:tint val="60000"/>
-      </a:schemeClr>
+      <a:schemeClr val="accent4"/>
     </dgm:fillClrLst>
     <dgm:linClrLst meth="repeat">
-      <a:schemeClr val="accent1">
-        <a:tint val="60000"/>
-      </a:schemeClr>
+      <a:schemeClr val="lt1"/>
     </dgm:linClrLst>
     <dgm:effectClrLst/>
     <dgm:txLinClrLst/>
@@ -439,38 +452,34 @@
   </dgm:styleLbl>
   <dgm:styleLbl name="parChTrans2D2">
     <dgm:fillClrLst meth="repeat">
-      <a:schemeClr val="accent1"/>
+      <a:schemeClr val="accent5"/>
     </dgm:fillClrLst>
     <dgm:linClrLst meth="repeat">
-      <a:schemeClr val="accent1"/>
+      <a:schemeClr val="lt1"/>
     </dgm:linClrLst>
     <dgm:effectClrLst/>
     <dgm:txLinClrLst/>
-    <dgm:txFillClrLst meth="repeat">
-      <a:schemeClr val="lt1"/>
-    </dgm:txFillClrLst>
+    <dgm:txFillClrLst/>
     <dgm:txEffectClrLst/>
   </dgm:styleLbl>
   <dgm:styleLbl name="parChTrans2D3">
     <dgm:fillClrLst meth="repeat">
-      <a:schemeClr val="accent1"/>
+      <a:schemeClr val="accent5"/>
     </dgm:fillClrLst>
     <dgm:linClrLst meth="repeat">
-      <a:schemeClr val="accent1"/>
+      <a:schemeClr val="lt1"/>
     </dgm:linClrLst>
     <dgm:effectClrLst/>
     <dgm:txLinClrLst/>
-    <dgm:txFillClrLst meth="repeat">
-      <a:schemeClr val="lt1"/>
-    </dgm:txFillClrLst>
+    <dgm:txFillClrLst/>
     <dgm:txEffectClrLst/>
   </dgm:styleLbl>
   <dgm:styleLbl name="parChTrans2D4">
     <dgm:fillClrLst meth="repeat">
-      <a:schemeClr val="accent1"/>
+      <a:schemeClr val="accent6"/>
     </dgm:fillClrLst>
     <dgm:linClrLst meth="repeat">
-      <a:schemeClr val="accent1"/>
+      <a:schemeClr val="lt1"/>
     </dgm:linClrLst>
     <dgm:effectClrLst/>
     <dgm:txLinClrLst/>
@@ -481,12 +490,10 @@
   </dgm:styleLbl>
   <dgm:styleLbl name="parChTrans1D1">
     <dgm:fillClrLst meth="repeat">
-      <a:schemeClr val="accent1"/>
+      <a:schemeClr val="accent4"/>
     </dgm:fillClrLst>
     <dgm:linClrLst meth="repeat">
-      <a:schemeClr val="accent1">
-        <a:shade val="60000"/>
-      </a:schemeClr>
+      <a:schemeClr val="accent4"/>
     </dgm:linClrLst>
     <dgm:effectClrLst/>
     <dgm:txLinClrLst/>
@@ -497,12 +504,12 @@
   </dgm:styleLbl>
   <dgm:styleLbl name="parChTrans1D2">
     <dgm:fillClrLst meth="repeat">
-      <a:schemeClr val="accent1"/>
+      <a:schemeClr val="accent4">
+        <a:tint val="90000"/>
+      </a:schemeClr>
     </dgm:fillClrLst>
     <dgm:linClrLst meth="repeat">
-      <a:schemeClr val="accent1">
-        <a:shade val="60000"/>
-      </a:schemeClr>
+      <a:schemeClr val="accent5"/>
     </dgm:linClrLst>
     <dgm:effectClrLst/>
     <dgm:txLinClrLst/>
@@ -513,12 +520,12 @@
   </dgm:styleLbl>
   <dgm:styleLbl name="parChTrans1D3">
     <dgm:fillClrLst meth="repeat">
-      <a:schemeClr val="accent1"/>
+      <a:schemeClr val="accent4">
+        <a:tint val="70000"/>
+      </a:schemeClr>
     </dgm:fillClrLst>
     <dgm:linClrLst meth="repeat">
-      <a:schemeClr val="accent1">
-        <a:shade val="80000"/>
-      </a:schemeClr>
+      <a:schemeClr val="accent6"/>
     </dgm:linClrLst>
     <dgm:effectClrLst/>
     <dgm:txLinClrLst/>
@@ -529,12 +536,12 @@
   </dgm:styleLbl>
   <dgm:styleLbl name="parChTrans1D4">
     <dgm:fillClrLst meth="repeat">
-      <a:schemeClr val="accent1"/>
+      <a:schemeClr val="accent4">
+        <a:tint val="50000"/>
+      </a:schemeClr>
     </dgm:fillClrLst>
     <dgm:linClrLst meth="repeat">
-      <a:schemeClr val="accent1">
-        <a:shade val="80000"/>
-      </a:schemeClr>
+      <a:schemeClr val="accent1"/>
     </dgm:linClrLst>
     <dgm:effectClrLst/>
     <dgm:txLinClrLst/>
@@ -549,8 +556,9 @@
         <a:alpha val="90000"/>
       </a:schemeClr>
     </dgm:fillClrLst>
-    <dgm:linClrLst meth="repeat">
-      <a:schemeClr val="accent1"/>
+    <dgm:linClrLst>
+      <a:schemeClr val="accent4"/>
+      <a:schemeClr val="accent5"/>
     </dgm:linClrLst>
     <dgm:effectClrLst/>
     <dgm:txLinClrLst/>
@@ -565,8 +573,9 @@
         <a:alpha val="90000"/>
       </a:schemeClr>
     </dgm:fillClrLst>
-    <dgm:linClrLst meth="repeat">
-      <a:schemeClr val="accent1"/>
+    <dgm:linClrLst>
+      <a:schemeClr val="accent4"/>
+      <a:schemeClr val="accent5"/>
     </dgm:linClrLst>
     <dgm:effectClrLst/>
     <dgm:txLinClrLst/>
@@ -581,8 +590,9 @@
         <a:alpha val="90000"/>
       </a:schemeClr>
     </dgm:fillClrLst>
-    <dgm:linClrLst meth="repeat">
-      <a:schemeClr val="accent1"/>
+    <dgm:linClrLst>
+      <a:schemeClr val="accent4"/>
+      <a:schemeClr val="accent5"/>
     </dgm:linClrLst>
     <dgm:effectClrLst/>
     <dgm:txLinClrLst/>
@@ -598,7 +608,7 @@
       </a:schemeClr>
     </dgm:fillClrLst>
     <dgm:linClrLst meth="repeat">
-      <a:schemeClr val="accent1"/>
+      <a:schemeClr val="accent4"/>
     </dgm:linClrLst>
     <dgm:effectClrLst/>
     <dgm:txLinClrLst/>
@@ -613,8 +623,9 @@
         <a:alpha val="90000"/>
       </a:schemeClr>
     </dgm:fillClrLst>
-    <dgm:linClrLst meth="repeat">
-      <a:schemeClr val="accent1"/>
+    <dgm:linClrLst>
+      <a:schemeClr val="accent4"/>
+      <a:schemeClr val="accent5"/>
     </dgm:linClrLst>
     <dgm:effectClrLst/>
     <dgm:txLinClrLst/>
@@ -627,8 +638,9 @@
     <dgm:fillClrLst meth="repeat">
       <a:schemeClr val="lt1"/>
     </dgm:fillClrLst>
-    <dgm:linClrLst meth="repeat">
-      <a:schemeClr val="accent1"/>
+    <dgm:linClrLst>
+      <a:schemeClr val="accent4"/>
+      <a:schemeClr val="accent5"/>
     </dgm:linClrLst>
     <dgm:effectClrLst/>
     <dgm:txLinClrLst/>
@@ -641,8 +653,9 @@
     <dgm:fillClrLst meth="repeat">
       <a:schemeClr val="lt1"/>
     </dgm:fillClrLst>
-    <dgm:linClrLst meth="repeat">
-      <a:schemeClr val="accent1"/>
+    <dgm:linClrLst>
+      <a:schemeClr val="accent4"/>
+      <a:schemeClr val="accent5"/>
     </dgm:linClrLst>
     <dgm:effectClrLst/>
     <dgm:txLinClrLst/>
@@ -655,8 +668,9 @@
     <dgm:fillClrLst meth="repeat">
       <a:schemeClr val="lt1"/>
     </dgm:fillClrLst>
-    <dgm:linClrLst meth="repeat">
-      <a:schemeClr val="accent1"/>
+    <dgm:linClrLst>
+      <a:schemeClr val="accent4"/>
+      <a:schemeClr val="accent5"/>
     </dgm:linClrLst>
     <dgm:effectClrLst/>
     <dgm:txLinClrLst/>
@@ -666,16 +680,24 @@
     <dgm:txEffectClrLst/>
   </dgm:styleLbl>
   <dgm:styleLbl name="fgAccFollowNode1">
-    <dgm:fillClrLst meth="repeat">
-      <a:schemeClr val="accent1">
+    <dgm:fillClrLst>
+      <a:schemeClr val="accent4">
+        <a:tint val="40000"/>
         <a:alpha val="90000"/>
+      </a:schemeClr>
+      <a:schemeClr val="accent5">
         <a:tint val="40000"/>
+        <a:alpha val="90000"/>
       </a:schemeClr>
     </dgm:fillClrLst>
-    <dgm:linClrLst meth="repeat">
-      <a:schemeClr val="accent1">
+    <dgm:linClrLst>
+      <a:schemeClr val="accent4">
+        <a:tint val="40000"/>
         <a:alpha val="90000"/>
+      </a:schemeClr>
+      <a:schemeClr val="accent5">
         <a:tint val="40000"/>
+        <a:alpha val="90000"/>
       </a:schemeClr>
     </dgm:linClrLst>
     <dgm:effectClrLst/>
@@ -686,16 +708,24 @@
     <dgm:txEffectClrLst/>
   </dgm:styleLbl>
   <dgm:styleLbl name="alignAccFollowNode1">
-    <dgm:fillClrLst meth="repeat">
-      <a:schemeClr val="accent1">
+    <dgm:fillClrLst>
+      <a:schemeClr val="accent4">
+        <a:tint val="40000"/>
         <a:alpha val="90000"/>
+      </a:schemeClr>
+      <a:schemeClr val="accent5">
         <a:tint val="40000"/>
+        <a:alpha val="90000"/>
       </a:schemeClr>
     </dgm:fillClrLst>
-    <dgm:linClrLst meth="repeat">
-      <a:schemeClr val="accent1">
+    <dgm:linClrLst>
+      <a:schemeClr val="accent4">
+        <a:tint val="40000"/>
         <a:alpha val="90000"/>
+      </a:schemeClr>
+      <a:schemeClr val="accent5">
         <a:tint val="40000"/>
+        <a:alpha val="90000"/>
       </a:schemeClr>
     </dgm:linClrLst>
     <dgm:effectClrLst/>
@@ -706,16 +736,24 @@
     <dgm:txEffectClrLst/>
   </dgm:styleLbl>
   <dgm:styleLbl name="bgAccFollowNode1">
-    <dgm:fillClrLst meth="repeat">
-      <a:schemeClr val="accent1">
+    <dgm:fillClrLst>
+      <a:schemeClr val="accent4">
+        <a:tint val="40000"/>
         <a:alpha val="90000"/>
+      </a:schemeClr>
+      <a:schemeClr val="accent5">
         <a:tint val="40000"/>
+        <a:alpha val="90000"/>
       </a:schemeClr>
     </dgm:fillClrLst>
-    <dgm:linClrLst meth="repeat">
-      <a:schemeClr val="accent1">
+    <dgm:linClrLst>
+      <a:schemeClr val="accent4">
+        <a:tint val="40000"/>
         <a:alpha val="90000"/>
+      </a:schemeClr>
+      <a:schemeClr val="accent5">
         <a:tint val="40000"/>
+        <a:alpha val="90000"/>
       </a:schemeClr>
     </dgm:linClrLst>
     <dgm:effectClrLst/>
@@ -731,8 +769,8 @@
         <a:alpha val="90000"/>
       </a:schemeClr>
     </dgm:fillClrLst>
-    <dgm:linClrLst meth="repeat">
-      <a:schemeClr val="accent1"/>
+    <dgm:linClrLst>
+      <a:schemeClr val="accent3"/>
     </dgm:linClrLst>
     <dgm:effectClrLst/>
     <dgm:txLinClrLst/>
@@ -747,8 +785,8 @@
         <a:alpha val="90000"/>
       </a:schemeClr>
     </dgm:fillClrLst>
-    <dgm:linClrLst meth="repeat">
-      <a:schemeClr val="accent1"/>
+    <dgm:linClrLst>
+      <a:schemeClr val="accent5"/>
     </dgm:linClrLst>
     <dgm:effectClrLst/>
     <dgm:txLinClrLst/>
@@ -763,8 +801,8 @@
         <a:alpha val="90000"/>
       </a:schemeClr>
     </dgm:fillClrLst>
-    <dgm:linClrLst meth="repeat">
-      <a:schemeClr val="accent1"/>
+    <dgm:linClrLst>
+      <a:schemeClr val="accent6"/>
     </dgm:linClrLst>
     <dgm:effectClrLst/>
     <dgm:txLinClrLst/>
@@ -779,7 +817,7 @@
         <a:alpha val="90000"/>
       </a:schemeClr>
     </dgm:fillClrLst>
-    <dgm:linClrLst meth="repeat">
+    <dgm:linClrLst>
       <a:schemeClr val="accent1"/>
     </dgm:linClrLst>
     <dgm:effectClrLst/>
@@ -791,12 +829,12 @@
   </dgm:styleLbl>
   <dgm:styleLbl name="bgShp">
     <dgm:fillClrLst meth="repeat">
-      <a:schemeClr val="accent1">
+      <a:schemeClr val="accent4">
         <a:tint val="40000"/>
       </a:schemeClr>
     </dgm:fillClrLst>
     <dgm:linClrLst meth="repeat">
-      <a:schemeClr val="accent1"/>
+      <a:schemeClr val="dk1"/>
     </dgm:linClrLst>
     <dgm:effectClrLst/>
     <dgm:txLinClrLst/>
@@ -807,12 +845,12 @@
   </dgm:styleLbl>
   <dgm:styleLbl name="dkBgShp">
     <dgm:fillClrLst meth="repeat">
-      <a:schemeClr val="accent1">
-        <a:shade val="80000"/>
+      <a:schemeClr val="accent4">
+        <a:shade val="90000"/>
       </a:schemeClr>
     </dgm:fillClrLst>
     <dgm:linClrLst meth="repeat">
-      <a:schemeClr val="accent1"/>
+      <a:schemeClr val="dk1"/>
     </dgm:linClrLst>
     <dgm:effectClrLst/>
     <dgm:txLinClrLst/>
@@ -823,13 +861,13 @@
   </dgm:styleLbl>
   <dgm:styleLbl name="trBgShp">
     <dgm:fillClrLst meth="repeat">
-      <a:schemeClr val="accent1">
+      <a:schemeClr val="accent4">
         <a:tint val="50000"/>
         <a:alpha val="40000"/>
       </a:schemeClr>
     </dgm:fillClrLst>
     <dgm:linClrLst meth="repeat">
-      <a:schemeClr val="accent1"/>
+      <a:schemeClr val="accent4"/>
     </dgm:linClrLst>
     <dgm:effectClrLst/>
     <dgm:txLinClrLst/>
@@ -840,8 +878,8 @@
   </dgm:styleLbl>
   <dgm:styleLbl name="fgShp">
     <dgm:fillClrLst meth="repeat">
-      <a:schemeClr val="accent1">
-        <a:tint val="60000"/>
+      <a:schemeClr val="accent4">
+        <a:tint val="40000"/>
       </a:schemeClr>
     </dgm:fillClrLst>
     <dgm:linClrLst meth="repeat">
@@ -1626,7 +1664,7 @@
 <dgm:dataModel xmlns:dgm="http://schemas.openxmlformats.org/drawingml/2006/diagram" xmlns:a="http://schemas.openxmlformats.org/drawingml/2006/main">
   <dgm:ptLst>
     <dgm:pt modelId="{6EF431C3-7D78-44CF-B566-F8D3CF2EADA5}" type="doc">
-      <dgm:prSet loTypeId="urn:microsoft.com/office/officeart/2008/layout/LinedList" loCatId="list" qsTypeId="urn:microsoft.com/office/officeart/2005/8/quickstyle/simple3" qsCatId="simple" csTypeId="urn:microsoft.com/office/officeart/2005/8/colors/accent1_2" csCatId="accent1"/>
+      <dgm:prSet loTypeId="urn:microsoft.com/office/officeart/2008/layout/LinedList" loCatId="list" qsTypeId="urn:microsoft.com/office/officeart/2005/8/quickstyle/simple3" qsCatId="simple" csTypeId="urn:microsoft.com/office/officeart/2005/8/colors/colorful4" csCatId="colorful"/>
       <dgm:spPr/>
       <dgm:t>
         <a:bodyPr/>
@@ -1718,10 +1756,22 @@
         <a:lstStyle/>
         <a:p>
           <a:r>
-            <a:rPr lang="en-US" b="1" baseline="0"/>
-            <a:t>Primer izvršenja MongoDB transakcije</a:t>
+            <a:rPr lang="en-US" b="1" baseline="0" dirty="0"/>
+            <a:t>Primer </a:t>
           </a:r>
-          <a:endParaRPr lang="en-US"/>
+          <a:r>
+            <a:rPr lang="en-US" b="1" baseline="0" dirty="0" err="1"/>
+            <a:t>izvršenja</a:t>
+          </a:r>
+          <a:r>
+            <a:rPr lang="en-US" b="1" baseline="0" dirty="0"/>
+            <a:t> MongoDB </a:t>
+          </a:r>
+          <a:r>
+            <a:rPr lang="en-US" b="1" baseline="0" dirty="0" err="1"/>
+            <a:t>transakcije</a:t>
+          </a:r>
+          <a:endParaRPr lang="en-US" dirty="0"/>
         </a:p>
       </dgm:t>
     </dgm:pt>
@@ -2303,14 +2353,14 @@
       </dsp:nvSpPr>
       <dsp:spPr>
         <a:xfrm>
-          <a:off x="0" y="445"/>
-          <a:ext cx="8770571" cy="0"/>
+          <a:off x="0" y="491"/>
+          <a:ext cx="7268148" cy="0"/>
         </a:xfrm>
         <a:prstGeom prst="line">
           <a:avLst/>
         </a:prstGeom>
         <a:solidFill>
-          <a:schemeClr val="accent1">
+          <a:schemeClr val="accent4">
             <a:hueOff val="0"/>
             <a:satOff val="0"/>
             <a:lumOff val="0"/>
@@ -2319,7 +2369,7 @@
         </a:solidFill>
         <a:ln w="9525" cap="flat" cmpd="sng" algn="ctr">
           <a:solidFill>
-            <a:schemeClr val="accent1">
+            <a:schemeClr val="accent4">
               <a:hueOff val="0"/>
               <a:satOff val="0"/>
               <a:lumOff val="0"/>
@@ -2352,8 +2402,8 @@
       </dsp:nvSpPr>
       <dsp:spPr>
         <a:xfrm>
-          <a:off x="0" y="445"/>
-          <a:ext cx="8770571" cy="365061"/>
+          <a:off x="0" y="491"/>
+          <a:ext cx="7268148" cy="402201"/>
         </a:xfrm>
         <a:prstGeom prst="rect">
           <a:avLst/>
@@ -2377,12 +2427,12 @@
         <a:fontRef idx="minor"/>
       </dsp:style>
       <dsp:txBody>
-        <a:bodyPr spcFirstLastPara="0" vert="horz" wrap="square" lIns="41910" tIns="41910" rIns="41910" bIns="41910" numCol="1" spcCol="1270" anchor="t" anchorCtr="0">
+        <a:bodyPr spcFirstLastPara="0" vert="horz" wrap="square" lIns="49530" tIns="49530" rIns="49530" bIns="49530" numCol="1" spcCol="1270" anchor="t" anchorCtr="0">
           <a:noAutofit/>
         </a:bodyPr>
         <a:lstStyle/>
         <a:p>
-          <a:pPr marL="0" lvl="0" indent="0" algn="l" defTabSz="488950">
+          <a:pPr marL="0" lvl="0" indent="0" algn="l" defTabSz="577850">
             <a:lnSpc>
               <a:spcPct val="90000"/>
             </a:lnSpc>
@@ -2395,15 +2445,15 @@
             <a:buNone/>
           </a:pPr>
           <a:r>
-            <a:rPr lang="sr-Latn-RS" sz="1100" b="1" kern="1200" baseline="0"/>
+            <a:rPr lang="sr-Latn-RS" sz="1300" b="1" kern="1200" baseline="0"/>
             <a:t>MongoDB i ACID transakcije</a:t>
           </a:r>
-          <a:endParaRPr lang="en-US" sz="1100" kern="1200"/>
+          <a:endParaRPr lang="en-US" sz="1300" kern="1200"/>
         </a:p>
       </dsp:txBody>
       <dsp:txXfrm>
-        <a:off x="0" y="445"/>
-        <a:ext cx="8770571" cy="365061"/>
+        <a:off x="0" y="491"/>
+        <a:ext cx="7268148" cy="402201"/>
       </dsp:txXfrm>
     </dsp:sp>
     <dsp:sp modelId="{5B4041E3-3F08-4CA3-AD63-77B22599E64B}">
@@ -2413,26 +2463,26 @@
       </dsp:nvSpPr>
       <dsp:spPr>
         <a:xfrm>
-          <a:off x="0" y="365506"/>
-          <a:ext cx="8770571" cy="0"/>
+          <a:off x="0" y="402692"/>
+          <a:ext cx="7268148" cy="0"/>
         </a:xfrm>
         <a:prstGeom prst="line">
           <a:avLst/>
         </a:prstGeom>
         <a:solidFill>
-          <a:schemeClr val="accent1">
-            <a:hueOff val="0"/>
-            <a:satOff val="0"/>
-            <a:lumOff val="0"/>
+          <a:schemeClr val="accent4">
+            <a:hueOff val="-77188"/>
+            <a:satOff val="-5503"/>
+            <a:lumOff val="-1590"/>
             <a:alphaOff val="0"/>
           </a:schemeClr>
         </a:solidFill>
         <a:ln w="9525" cap="flat" cmpd="sng" algn="ctr">
           <a:solidFill>
-            <a:schemeClr val="accent1">
-              <a:hueOff val="0"/>
-              <a:satOff val="0"/>
-              <a:lumOff val="0"/>
+            <a:schemeClr val="accent4">
+              <a:hueOff val="-77188"/>
+              <a:satOff val="-5503"/>
+              <a:lumOff val="-1590"/>
               <a:alphaOff val="0"/>
             </a:schemeClr>
           </a:solidFill>
@@ -2462,8 +2512,8 @@
       </dsp:nvSpPr>
       <dsp:spPr>
         <a:xfrm>
-          <a:off x="0" y="365506"/>
-          <a:ext cx="8770571" cy="365061"/>
+          <a:off x="0" y="402692"/>
+          <a:ext cx="7268148" cy="402201"/>
         </a:xfrm>
         <a:prstGeom prst="rect">
           <a:avLst/>
@@ -2487,12 +2537,12 @@
         <a:fontRef idx="minor"/>
       </dsp:style>
       <dsp:txBody>
-        <a:bodyPr spcFirstLastPara="0" vert="horz" wrap="square" lIns="41910" tIns="41910" rIns="41910" bIns="41910" numCol="1" spcCol="1270" anchor="t" anchorCtr="0">
+        <a:bodyPr spcFirstLastPara="0" vert="horz" wrap="square" lIns="49530" tIns="49530" rIns="49530" bIns="49530" numCol="1" spcCol="1270" anchor="t" anchorCtr="0">
           <a:noAutofit/>
         </a:bodyPr>
         <a:lstStyle/>
         <a:p>
-          <a:pPr marL="0" lvl="0" indent="0" algn="l" defTabSz="488950">
+          <a:pPr marL="0" lvl="0" indent="0" algn="l" defTabSz="577850">
             <a:lnSpc>
               <a:spcPct val="90000"/>
             </a:lnSpc>
@@ -2505,15 +2555,15 @@
             <a:buNone/>
           </a:pPr>
           <a:r>
-            <a:rPr lang="sr-Latn-RS" sz="1100" b="1" kern="1200" baseline="0"/>
+            <a:rPr lang="sr-Latn-RS" sz="1300" b="1" kern="1200" baseline="0"/>
             <a:t>MongoDB transakcije</a:t>
           </a:r>
-          <a:endParaRPr lang="en-US" sz="1100" kern="1200"/>
+          <a:endParaRPr lang="en-US" sz="1300" kern="1200"/>
         </a:p>
       </dsp:txBody>
       <dsp:txXfrm>
-        <a:off x="0" y="365506"/>
-        <a:ext cx="8770571" cy="365061"/>
+        <a:off x="0" y="402692"/>
+        <a:ext cx="7268148" cy="402201"/>
       </dsp:txXfrm>
     </dsp:sp>
     <dsp:sp modelId="{E1DB1920-0FFF-4D9C-A7AC-F62E9C0A3744}">
@@ -2523,26 +2573,26 @@
       </dsp:nvSpPr>
       <dsp:spPr>
         <a:xfrm>
-          <a:off x="0" y="730568"/>
-          <a:ext cx="8770571" cy="0"/>
+          <a:off x="0" y="804894"/>
+          <a:ext cx="7268148" cy="0"/>
         </a:xfrm>
         <a:prstGeom prst="line">
           <a:avLst/>
         </a:prstGeom>
         <a:solidFill>
-          <a:schemeClr val="accent1">
-            <a:hueOff val="0"/>
-            <a:satOff val="0"/>
-            <a:lumOff val="0"/>
+          <a:schemeClr val="accent4">
+            <a:hueOff val="-154376"/>
+            <a:satOff val="-11006"/>
+            <a:lumOff val="-3181"/>
             <a:alphaOff val="0"/>
           </a:schemeClr>
         </a:solidFill>
         <a:ln w="9525" cap="flat" cmpd="sng" algn="ctr">
           <a:solidFill>
-            <a:schemeClr val="accent1">
-              <a:hueOff val="0"/>
-              <a:satOff val="0"/>
-              <a:lumOff val="0"/>
+            <a:schemeClr val="accent4">
+              <a:hueOff val="-154376"/>
+              <a:satOff val="-11006"/>
+              <a:lumOff val="-3181"/>
               <a:alphaOff val="0"/>
             </a:schemeClr>
           </a:solidFill>
@@ -2572,8 +2622,8 @@
       </dsp:nvSpPr>
       <dsp:spPr>
         <a:xfrm>
-          <a:off x="0" y="730568"/>
-          <a:ext cx="8770571" cy="365061"/>
+          <a:off x="0" y="804894"/>
+          <a:ext cx="7268148" cy="402201"/>
         </a:xfrm>
         <a:prstGeom prst="rect">
           <a:avLst/>
@@ -2597,12 +2647,12 @@
         <a:fontRef idx="minor"/>
       </dsp:style>
       <dsp:txBody>
-        <a:bodyPr spcFirstLastPara="0" vert="horz" wrap="square" lIns="41910" tIns="41910" rIns="41910" bIns="41910" numCol="1" spcCol="1270" anchor="t" anchorCtr="0">
+        <a:bodyPr spcFirstLastPara="0" vert="horz" wrap="square" lIns="49530" tIns="49530" rIns="49530" bIns="49530" numCol="1" spcCol="1270" anchor="t" anchorCtr="0">
           <a:noAutofit/>
         </a:bodyPr>
         <a:lstStyle/>
         <a:p>
-          <a:pPr marL="0" lvl="0" indent="0" algn="l" defTabSz="488950">
+          <a:pPr marL="0" lvl="0" indent="0" algn="l" defTabSz="577850">
             <a:lnSpc>
               <a:spcPct val="90000"/>
             </a:lnSpc>
@@ -2615,15 +2665,27 @@
             <a:buNone/>
           </a:pPr>
           <a:r>
-            <a:rPr lang="en-US" sz="1100" b="1" kern="1200" baseline="0"/>
-            <a:t>Primer izvršenja MongoDB transakcije</a:t>
+            <a:rPr lang="en-US" sz="1300" b="1" kern="1200" baseline="0" dirty="0"/>
+            <a:t>Primer </a:t>
           </a:r>
-          <a:endParaRPr lang="en-US" sz="1100" kern="1200"/>
+          <a:r>
+            <a:rPr lang="en-US" sz="1300" b="1" kern="1200" baseline="0" dirty="0" err="1"/>
+            <a:t>izvršenja</a:t>
+          </a:r>
+          <a:r>
+            <a:rPr lang="en-US" sz="1300" b="1" kern="1200" baseline="0" dirty="0"/>
+            <a:t> MongoDB </a:t>
+          </a:r>
+          <a:r>
+            <a:rPr lang="en-US" sz="1300" b="1" kern="1200" baseline="0" dirty="0" err="1"/>
+            <a:t>transakcije</a:t>
+          </a:r>
+          <a:endParaRPr lang="en-US" sz="1300" kern="1200" dirty="0"/>
         </a:p>
       </dsp:txBody>
       <dsp:txXfrm>
-        <a:off x="0" y="730568"/>
-        <a:ext cx="8770571" cy="365061"/>
+        <a:off x="0" y="804894"/>
+        <a:ext cx="7268148" cy="402201"/>
       </dsp:txXfrm>
     </dsp:sp>
     <dsp:sp modelId="{102376E2-CEBC-4E7D-B529-8C400E9A10BB}">
@@ -2633,26 +2695,26 @@
       </dsp:nvSpPr>
       <dsp:spPr>
         <a:xfrm>
-          <a:off x="0" y="1095629"/>
-          <a:ext cx="8770571" cy="0"/>
+          <a:off x="0" y="1207096"/>
+          <a:ext cx="7268148" cy="0"/>
         </a:xfrm>
         <a:prstGeom prst="line">
           <a:avLst/>
         </a:prstGeom>
         <a:solidFill>
-          <a:schemeClr val="accent1">
-            <a:hueOff val="0"/>
-            <a:satOff val="0"/>
-            <a:lumOff val="0"/>
+          <a:schemeClr val="accent4">
+            <a:hueOff val="-231563"/>
+            <a:satOff val="-16509"/>
+            <a:lumOff val="-4771"/>
             <a:alphaOff val="0"/>
           </a:schemeClr>
         </a:solidFill>
         <a:ln w="9525" cap="flat" cmpd="sng" algn="ctr">
           <a:solidFill>
-            <a:schemeClr val="accent1">
-              <a:hueOff val="0"/>
-              <a:satOff val="0"/>
-              <a:lumOff val="0"/>
+            <a:schemeClr val="accent4">
+              <a:hueOff val="-231563"/>
+              <a:satOff val="-16509"/>
+              <a:lumOff val="-4771"/>
               <a:alphaOff val="0"/>
             </a:schemeClr>
           </a:solidFill>
@@ -2682,8 +2744,8 @@
       </dsp:nvSpPr>
       <dsp:spPr>
         <a:xfrm>
-          <a:off x="0" y="1095629"/>
-          <a:ext cx="8770571" cy="365061"/>
+          <a:off x="0" y="1207096"/>
+          <a:ext cx="7268148" cy="402201"/>
         </a:xfrm>
         <a:prstGeom prst="rect">
           <a:avLst/>
@@ -2707,12 +2769,12 @@
         <a:fontRef idx="minor"/>
       </dsp:style>
       <dsp:txBody>
-        <a:bodyPr spcFirstLastPara="0" vert="horz" wrap="square" lIns="41910" tIns="41910" rIns="41910" bIns="41910" numCol="1" spcCol="1270" anchor="t" anchorCtr="0">
+        <a:bodyPr spcFirstLastPara="0" vert="horz" wrap="square" lIns="49530" tIns="49530" rIns="49530" bIns="49530" numCol="1" spcCol="1270" anchor="t" anchorCtr="0">
           <a:noAutofit/>
         </a:bodyPr>
         <a:lstStyle/>
         <a:p>
-          <a:pPr marL="0" lvl="0" indent="0" algn="l" defTabSz="488950">
+          <a:pPr marL="0" lvl="0" indent="0" algn="l" defTabSz="577850">
             <a:lnSpc>
               <a:spcPct val="90000"/>
             </a:lnSpc>
@@ -2725,15 +2787,15 @@
             <a:buNone/>
           </a:pPr>
           <a:r>
-            <a:rPr lang="sr-Latn-RS" sz="1100" b="1" kern="1200" baseline="0"/>
+            <a:rPr lang="sr-Latn-RS" sz="1300" b="1" kern="1200" baseline="0"/>
             <a:t>Prikaz osobina transakcije</a:t>
           </a:r>
-          <a:endParaRPr lang="en-US" sz="1100" kern="1200"/>
+          <a:endParaRPr lang="en-US" sz="1300" kern="1200"/>
         </a:p>
       </dsp:txBody>
       <dsp:txXfrm>
-        <a:off x="0" y="1095629"/>
-        <a:ext cx="8770571" cy="365061"/>
+        <a:off x="0" y="1207096"/>
+        <a:ext cx="7268148" cy="402201"/>
       </dsp:txXfrm>
     </dsp:sp>
     <dsp:sp modelId="{96938CA5-93D3-4974-B0D8-AEB544343BC6}">
@@ -2743,26 +2805,26 @@
       </dsp:nvSpPr>
       <dsp:spPr>
         <a:xfrm>
-          <a:off x="0" y="1460690"/>
-          <a:ext cx="8770571" cy="0"/>
+          <a:off x="0" y="1609297"/>
+          <a:ext cx="7268148" cy="0"/>
         </a:xfrm>
         <a:prstGeom prst="line">
           <a:avLst/>
         </a:prstGeom>
         <a:solidFill>
-          <a:schemeClr val="accent1">
-            <a:hueOff val="0"/>
-            <a:satOff val="0"/>
-            <a:lumOff val="0"/>
+          <a:schemeClr val="accent4">
+            <a:hueOff val="-308751"/>
+            <a:satOff val="-22012"/>
+            <a:lumOff val="-6361"/>
             <a:alphaOff val="0"/>
           </a:schemeClr>
         </a:solidFill>
         <a:ln w="9525" cap="flat" cmpd="sng" algn="ctr">
           <a:solidFill>
-            <a:schemeClr val="accent1">
-              <a:hueOff val="0"/>
-              <a:satOff val="0"/>
-              <a:lumOff val="0"/>
+            <a:schemeClr val="accent4">
+              <a:hueOff val="-308751"/>
+              <a:satOff val="-22012"/>
+              <a:lumOff val="-6361"/>
               <a:alphaOff val="0"/>
             </a:schemeClr>
           </a:solidFill>
@@ -2792,8 +2854,8 @@
       </dsp:nvSpPr>
       <dsp:spPr>
         <a:xfrm>
-          <a:off x="0" y="1460690"/>
-          <a:ext cx="8770571" cy="365061"/>
+          <a:off x="0" y="1609297"/>
+          <a:ext cx="7268148" cy="402201"/>
         </a:xfrm>
         <a:prstGeom prst="rect">
           <a:avLst/>
@@ -2817,12 +2879,12 @@
         <a:fontRef idx="minor"/>
       </dsp:style>
       <dsp:txBody>
-        <a:bodyPr spcFirstLastPara="0" vert="horz" wrap="square" lIns="41910" tIns="41910" rIns="41910" bIns="41910" numCol="1" spcCol="1270" anchor="t" anchorCtr="0">
+        <a:bodyPr spcFirstLastPara="0" vert="horz" wrap="square" lIns="49530" tIns="49530" rIns="49530" bIns="49530" numCol="1" spcCol="1270" anchor="t" anchorCtr="0">
           <a:noAutofit/>
         </a:bodyPr>
         <a:lstStyle/>
         <a:p>
-          <a:pPr marL="0" lvl="0" indent="0" algn="l" defTabSz="488950">
+          <a:pPr marL="0" lvl="0" indent="0" algn="l" defTabSz="577850">
             <a:lnSpc>
               <a:spcPct val="90000"/>
             </a:lnSpc>
@@ -2835,15 +2897,15 @@
             <a:buNone/>
           </a:pPr>
           <a:r>
-            <a:rPr lang="sr-Latn-RS" sz="1100" b="1" kern="1200" baseline="0"/>
+            <a:rPr lang="sr-Latn-RS" sz="1300" b="1" kern="1200" baseline="0"/>
             <a:t>Prikaz efekta prestanka rada transakcije ili pozivanja abortTransaction</a:t>
           </a:r>
-          <a:endParaRPr lang="en-US" sz="1100" kern="1200"/>
+          <a:endParaRPr lang="en-US" sz="1300" kern="1200"/>
         </a:p>
       </dsp:txBody>
       <dsp:txXfrm>
-        <a:off x="0" y="1460690"/>
-        <a:ext cx="8770571" cy="365061"/>
+        <a:off x="0" y="1609297"/>
+        <a:ext cx="7268148" cy="402201"/>
       </dsp:txXfrm>
     </dsp:sp>
     <dsp:sp modelId="{D44EFC5D-A97C-42D9-B752-416F3C2E51AC}">
@@ -2853,26 +2915,26 @@
       </dsp:nvSpPr>
       <dsp:spPr>
         <a:xfrm>
-          <a:off x="0" y="1825752"/>
-          <a:ext cx="8770571" cy="0"/>
+          <a:off x="0" y="2011499"/>
+          <a:ext cx="7268148" cy="0"/>
         </a:xfrm>
         <a:prstGeom prst="line">
           <a:avLst/>
         </a:prstGeom>
         <a:solidFill>
-          <a:schemeClr val="accent1">
-            <a:hueOff val="0"/>
-            <a:satOff val="0"/>
-            <a:lumOff val="0"/>
+          <a:schemeClr val="accent4">
+            <a:hueOff val="-385939"/>
+            <a:satOff val="-27515"/>
+            <a:lumOff val="-7952"/>
             <a:alphaOff val="0"/>
           </a:schemeClr>
         </a:solidFill>
         <a:ln w="9525" cap="flat" cmpd="sng" algn="ctr">
           <a:solidFill>
-            <a:schemeClr val="accent1">
-              <a:hueOff val="0"/>
-              <a:satOff val="0"/>
-              <a:lumOff val="0"/>
+            <a:schemeClr val="accent4">
+              <a:hueOff val="-385939"/>
+              <a:satOff val="-27515"/>
+              <a:lumOff val="-7952"/>
               <a:alphaOff val="0"/>
             </a:schemeClr>
           </a:solidFill>
@@ -2902,8 +2964,8 @@
       </dsp:nvSpPr>
       <dsp:spPr>
         <a:xfrm>
-          <a:off x="0" y="1825752"/>
-          <a:ext cx="8770571" cy="365061"/>
+          <a:off x="0" y="2011499"/>
+          <a:ext cx="7268148" cy="402201"/>
         </a:xfrm>
         <a:prstGeom prst="rect">
           <a:avLst/>
@@ -2927,12 +2989,12 @@
         <a:fontRef idx="minor"/>
       </dsp:style>
       <dsp:txBody>
-        <a:bodyPr spcFirstLastPara="0" vert="horz" wrap="square" lIns="41910" tIns="41910" rIns="41910" bIns="41910" numCol="1" spcCol="1270" anchor="t" anchorCtr="0">
+        <a:bodyPr spcFirstLastPara="0" vert="horz" wrap="square" lIns="49530" tIns="49530" rIns="49530" bIns="49530" numCol="1" spcCol="1270" anchor="t" anchorCtr="0">
           <a:noAutofit/>
         </a:bodyPr>
         <a:lstStyle/>
         <a:p>
-          <a:pPr marL="0" lvl="0" indent="0" algn="l" defTabSz="488950">
+          <a:pPr marL="0" lvl="0" indent="0" algn="l" defTabSz="577850">
             <a:lnSpc>
               <a:spcPct val="90000"/>
             </a:lnSpc>
@@ -2945,15 +3007,15 @@
             <a:buNone/>
           </a:pPr>
           <a:r>
-            <a:rPr lang="sr-Latn-RS" sz="1100" b="1" kern="1200" baseline="0"/>
+            <a:rPr lang="sr-Latn-RS" sz="1300" b="1" kern="1200" baseline="0"/>
             <a:t>Bitne konsideracije kod transakcija</a:t>
           </a:r>
-          <a:endParaRPr lang="en-US" sz="1100" kern="1200"/>
+          <a:endParaRPr lang="en-US" sz="1300" kern="1200"/>
         </a:p>
       </dsp:txBody>
       <dsp:txXfrm>
-        <a:off x="0" y="1825752"/>
-        <a:ext cx="8770571" cy="365061"/>
+        <a:off x="0" y="2011499"/>
+        <a:ext cx="7268148" cy="402201"/>
       </dsp:txXfrm>
     </dsp:sp>
     <dsp:sp modelId="{43217B73-B404-4819-AA27-4B40FD06D4A5}">
@@ -2963,26 +3025,26 @@
       </dsp:nvSpPr>
       <dsp:spPr>
         <a:xfrm>
-          <a:off x="0" y="2190813"/>
-          <a:ext cx="8770571" cy="0"/>
+          <a:off x="0" y="2413701"/>
+          <a:ext cx="7268148" cy="0"/>
         </a:xfrm>
         <a:prstGeom prst="line">
           <a:avLst/>
         </a:prstGeom>
         <a:solidFill>
-          <a:schemeClr val="accent1">
-            <a:hueOff val="0"/>
-            <a:satOff val="0"/>
-            <a:lumOff val="0"/>
+          <a:schemeClr val="accent4">
+            <a:hueOff val="-463127"/>
+            <a:satOff val="-33018"/>
+            <a:lumOff val="-9542"/>
             <a:alphaOff val="0"/>
           </a:schemeClr>
         </a:solidFill>
         <a:ln w="9525" cap="flat" cmpd="sng" algn="ctr">
           <a:solidFill>
-            <a:schemeClr val="accent1">
-              <a:hueOff val="0"/>
-              <a:satOff val="0"/>
-              <a:lumOff val="0"/>
+            <a:schemeClr val="accent4">
+              <a:hueOff val="-463127"/>
+              <a:satOff val="-33018"/>
+              <a:lumOff val="-9542"/>
               <a:alphaOff val="0"/>
             </a:schemeClr>
           </a:solidFill>
@@ -3012,8 +3074,8 @@
       </dsp:nvSpPr>
       <dsp:spPr>
         <a:xfrm>
-          <a:off x="0" y="2190813"/>
-          <a:ext cx="8770571" cy="365061"/>
+          <a:off x="0" y="2413701"/>
+          <a:ext cx="7268148" cy="402201"/>
         </a:xfrm>
         <a:prstGeom prst="rect">
           <a:avLst/>
@@ -3037,12 +3099,12 @@
         <a:fontRef idx="minor"/>
       </dsp:style>
       <dsp:txBody>
-        <a:bodyPr spcFirstLastPara="0" vert="horz" wrap="square" lIns="41910" tIns="41910" rIns="41910" bIns="41910" numCol="1" spcCol="1270" anchor="t" anchorCtr="0">
+        <a:bodyPr spcFirstLastPara="0" vert="horz" wrap="square" lIns="49530" tIns="49530" rIns="49530" bIns="49530" numCol="1" spcCol="1270" anchor="t" anchorCtr="0">
           <a:noAutofit/>
         </a:bodyPr>
         <a:lstStyle/>
         <a:p>
-          <a:pPr marL="0" lvl="0" indent="0" algn="l" defTabSz="488950">
+          <a:pPr marL="0" lvl="0" indent="0" algn="l" defTabSz="577850">
             <a:lnSpc>
               <a:spcPct val="90000"/>
             </a:lnSpc>
@@ -3055,15 +3117,15 @@
             <a:buNone/>
           </a:pPr>
           <a:r>
-            <a:rPr lang="sr-Latn-RS" sz="1100" b="1" kern="1200" baseline="0"/>
+            <a:rPr lang="sr-Latn-RS" sz="1300" b="1" kern="1200" baseline="0"/>
             <a:t>Saveti prilikom korišćenja transakcija</a:t>
           </a:r>
-          <a:endParaRPr lang="en-US" sz="1100" kern="1200"/>
+          <a:endParaRPr lang="en-US" sz="1300" kern="1200"/>
         </a:p>
       </dsp:txBody>
       <dsp:txXfrm>
-        <a:off x="0" y="2190813"/>
-        <a:ext cx="8770571" cy="365061"/>
+        <a:off x="0" y="2413701"/>
+        <a:ext cx="7268148" cy="402201"/>
       </dsp:txXfrm>
     </dsp:sp>
     <dsp:sp modelId="{76E5C401-DD9C-4BE0-BC28-EBF6A8F3C194}">
@@ -3073,26 +3135,26 @@
       </dsp:nvSpPr>
       <dsp:spPr>
         <a:xfrm>
-          <a:off x="0" y="2555874"/>
-          <a:ext cx="8770571" cy="0"/>
+          <a:off x="0" y="2815902"/>
+          <a:ext cx="7268148" cy="0"/>
         </a:xfrm>
         <a:prstGeom prst="line">
           <a:avLst/>
         </a:prstGeom>
         <a:solidFill>
-          <a:schemeClr val="accent1">
-            <a:hueOff val="0"/>
-            <a:satOff val="0"/>
-            <a:lumOff val="0"/>
+          <a:schemeClr val="accent4">
+            <a:hueOff val="-540315"/>
+            <a:satOff val="-38521"/>
+            <a:lumOff val="-11132"/>
             <a:alphaOff val="0"/>
           </a:schemeClr>
         </a:solidFill>
         <a:ln w="9525" cap="flat" cmpd="sng" algn="ctr">
           <a:solidFill>
-            <a:schemeClr val="accent1">
-              <a:hueOff val="0"/>
-              <a:satOff val="0"/>
-              <a:lumOff val="0"/>
+            <a:schemeClr val="accent4">
+              <a:hueOff val="-540315"/>
+              <a:satOff val="-38521"/>
+              <a:lumOff val="-11132"/>
               <a:alphaOff val="0"/>
             </a:schemeClr>
           </a:solidFill>
@@ -3122,8 +3184,8 @@
       </dsp:nvSpPr>
       <dsp:spPr>
         <a:xfrm>
-          <a:off x="0" y="2555874"/>
-          <a:ext cx="8770571" cy="365061"/>
+          <a:off x="0" y="2815902"/>
+          <a:ext cx="7268148" cy="402201"/>
         </a:xfrm>
         <a:prstGeom prst="rect">
           <a:avLst/>
@@ -3147,12 +3209,12 @@
         <a:fontRef idx="minor"/>
       </dsp:style>
       <dsp:txBody>
-        <a:bodyPr spcFirstLastPara="0" vert="horz" wrap="square" lIns="41910" tIns="41910" rIns="41910" bIns="41910" numCol="1" spcCol="1270" anchor="t" anchorCtr="0">
+        <a:bodyPr spcFirstLastPara="0" vert="horz" wrap="square" lIns="49530" tIns="49530" rIns="49530" bIns="49530" numCol="1" spcCol="1270" anchor="t" anchorCtr="0">
           <a:noAutofit/>
         </a:bodyPr>
         <a:lstStyle/>
         <a:p>
-          <a:pPr marL="0" lvl="0" indent="0" algn="l" defTabSz="488950">
+          <a:pPr marL="0" lvl="0" indent="0" algn="l" defTabSz="577850">
             <a:lnSpc>
               <a:spcPct val="90000"/>
             </a:lnSpc>
@@ -3165,15 +3227,15 @@
             <a:buNone/>
           </a:pPr>
           <a:r>
-            <a:rPr lang="sr-Latn-RS" sz="1100" b="1" kern="1200" baseline="0"/>
+            <a:rPr lang="sr-Latn-RS" sz="1300" b="1" kern="1200" baseline="0"/>
             <a:t>Izolacija</a:t>
           </a:r>
-          <a:endParaRPr lang="en-US" sz="1100" kern="1200"/>
+          <a:endParaRPr lang="en-US" sz="1300" kern="1200"/>
         </a:p>
       </dsp:txBody>
       <dsp:txXfrm>
-        <a:off x="0" y="2555874"/>
-        <a:ext cx="8770571" cy="365061"/>
+        <a:off x="0" y="2815902"/>
+        <a:ext cx="7268148" cy="402201"/>
       </dsp:txXfrm>
     </dsp:sp>
     <dsp:sp modelId="{F5E2296E-A50A-48CA-A41C-A5591835AEF4}">
@@ -3183,26 +3245,26 @@
       </dsp:nvSpPr>
       <dsp:spPr>
         <a:xfrm>
-          <a:off x="0" y="2920935"/>
-          <a:ext cx="8770571" cy="0"/>
+          <a:off x="0" y="3218104"/>
+          <a:ext cx="7268148" cy="0"/>
         </a:xfrm>
         <a:prstGeom prst="line">
           <a:avLst/>
         </a:prstGeom>
         <a:solidFill>
-          <a:schemeClr val="accent1">
-            <a:hueOff val="0"/>
-            <a:satOff val="0"/>
-            <a:lumOff val="0"/>
+          <a:schemeClr val="accent4">
+            <a:hueOff val="-617502"/>
+            <a:satOff val="-44024"/>
+            <a:lumOff val="-12723"/>
             <a:alphaOff val="0"/>
           </a:schemeClr>
         </a:solidFill>
         <a:ln w="9525" cap="flat" cmpd="sng" algn="ctr">
           <a:solidFill>
-            <a:schemeClr val="accent1">
-              <a:hueOff val="0"/>
-              <a:satOff val="0"/>
-              <a:lumOff val="0"/>
+            <a:schemeClr val="accent4">
+              <a:hueOff val="-617502"/>
+              <a:satOff val="-44024"/>
+              <a:lumOff val="-12723"/>
               <a:alphaOff val="0"/>
             </a:schemeClr>
           </a:solidFill>
@@ -3232,8 +3294,8 @@
       </dsp:nvSpPr>
       <dsp:spPr>
         <a:xfrm>
-          <a:off x="0" y="2920935"/>
-          <a:ext cx="8770571" cy="365061"/>
+          <a:off x="0" y="3218104"/>
+          <a:ext cx="7268148" cy="402201"/>
         </a:xfrm>
         <a:prstGeom prst="rect">
           <a:avLst/>
@@ -3257,12 +3319,12 @@
         <a:fontRef idx="minor"/>
       </dsp:style>
       <dsp:txBody>
-        <a:bodyPr spcFirstLastPara="0" vert="horz" wrap="square" lIns="41910" tIns="41910" rIns="41910" bIns="41910" numCol="1" spcCol="1270" anchor="t" anchorCtr="0">
+        <a:bodyPr spcFirstLastPara="0" vert="horz" wrap="square" lIns="49530" tIns="49530" rIns="49530" bIns="49530" numCol="1" spcCol="1270" anchor="t" anchorCtr="0">
           <a:noAutofit/>
         </a:bodyPr>
         <a:lstStyle/>
         <a:p>
-          <a:pPr marL="0" lvl="0" indent="0" algn="l" defTabSz="488950">
+          <a:pPr marL="0" lvl="0" indent="0" algn="l" defTabSz="577850">
             <a:lnSpc>
               <a:spcPct val="90000"/>
             </a:lnSpc>
@@ -3275,15 +3337,15 @@
             <a:buNone/>
           </a:pPr>
           <a:r>
-            <a:rPr lang="sr-Latn-RS" sz="1100" b="1" kern="1200" baseline="0"/>
+            <a:rPr lang="sr-Latn-RS" sz="1300" b="1" kern="1200" baseline="0"/>
             <a:t>Izolacija kod MongoDB-a</a:t>
           </a:r>
-          <a:endParaRPr lang="en-US" sz="1100" kern="1200"/>
+          <a:endParaRPr lang="en-US" sz="1300" kern="1200"/>
         </a:p>
       </dsp:txBody>
       <dsp:txXfrm>
-        <a:off x="0" y="2920935"/>
-        <a:ext cx="8770571" cy="365061"/>
+        <a:off x="0" y="3218104"/>
+        <a:ext cx="7268148" cy="402201"/>
       </dsp:txXfrm>
     </dsp:sp>
     <dsp:sp modelId="{F7716270-0101-4035-889B-36E3ED7F5FDE}">
@@ -3293,26 +3355,26 @@
       </dsp:nvSpPr>
       <dsp:spPr>
         <a:xfrm>
-          <a:off x="0" y="3285997"/>
-          <a:ext cx="8770571" cy="0"/>
+          <a:off x="0" y="3620306"/>
+          <a:ext cx="7268148" cy="0"/>
         </a:xfrm>
         <a:prstGeom prst="line">
           <a:avLst/>
         </a:prstGeom>
         <a:solidFill>
-          <a:schemeClr val="accent1">
-            <a:hueOff val="0"/>
-            <a:satOff val="0"/>
-            <a:lumOff val="0"/>
+          <a:schemeClr val="accent4">
+            <a:hueOff val="-694690"/>
+            <a:satOff val="-49527"/>
+            <a:lumOff val="-14313"/>
             <a:alphaOff val="0"/>
           </a:schemeClr>
         </a:solidFill>
         <a:ln w="9525" cap="flat" cmpd="sng" algn="ctr">
           <a:solidFill>
-            <a:schemeClr val="accent1">
-              <a:hueOff val="0"/>
-              <a:satOff val="0"/>
-              <a:lumOff val="0"/>
+            <a:schemeClr val="accent4">
+              <a:hueOff val="-694690"/>
+              <a:satOff val="-49527"/>
+              <a:lumOff val="-14313"/>
               <a:alphaOff val="0"/>
             </a:schemeClr>
           </a:solidFill>
@@ -3342,8 +3404,8 @@
       </dsp:nvSpPr>
       <dsp:spPr>
         <a:xfrm>
-          <a:off x="0" y="3285997"/>
-          <a:ext cx="8770571" cy="365061"/>
+          <a:off x="0" y="3620306"/>
+          <a:ext cx="7268148" cy="402201"/>
         </a:xfrm>
         <a:prstGeom prst="rect">
           <a:avLst/>
@@ -3367,12 +3429,12 @@
         <a:fontRef idx="minor"/>
       </dsp:style>
       <dsp:txBody>
-        <a:bodyPr spcFirstLastPara="0" vert="horz" wrap="square" lIns="41910" tIns="41910" rIns="41910" bIns="41910" numCol="1" spcCol="1270" anchor="t" anchorCtr="0">
+        <a:bodyPr spcFirstLastPara="0" vert="horz" wrap="square" lIns="49530" tIns="49530" rIns="49530" bIns="49530" numCol="1" spcCol="1270" anchor="t" anchorCtr="0">
           <a:noAutofit/>
         </a:bodyPr>
         <a:lstStyle/>
         <a:p>
-          <a:pPr marL="0" lvl="0" indent="0" algn="l" defTabSz="488950">
+          <a:pPr marL="0" lvl="0" indent="0" algn="l" defTabSz="577850">
             <a:lnSpc>
               <a:spcPct val="90000"/>
             </a:lnSpc>
@@ -3385,15 +3447,15 @@
             <a:buNone/>
           </a:pPr>
           <a:r>
-            <a:rPr lang="sr-Latn-RS" sz="1100" b="1" kern="1200" baseline="0"/>
+            <a:rPr lang="sr-Latn-RS" sz="1300" b="1" kern="1200" baseline="0"/>
             <a:t>Zaključavanje</a:t>
           </a:r>
-          <a:endParaRPr lang="en-US" sz="1100" kern="1200"/>
+          <a:endParaRPr lang="en-US" sz="1300" kern="1200"/>
         </a:p>
       </dsp:txBody>
       <dsp:txXfrm>
-        <a:off x="0" y="3285997"/>
-        <a:ext cx="8770571" cy="365061"/>
+        <a:off x="0" y="3620306"/>
+        <a:ext cx="7268148" cy="402201"/>
       </dsp:txXfrm>
     </dsp:sp>
   </dsp:spTree>
@@ -6745,7 +6807,7 @@
           <a:p>
             <a:fld id="{12241623-A064-4BED-B073-BA4D61433402}" type="datetime1">
               <a:rPr lang="en-US" smtClean="0"/>
-              <a:t>5/24/2021</a:t>
+              <a:t>5/25/2021</a:t>
             </a:fld>
             <a:endParaRPr lang="en-US" dirty="0"/>
           </a:p>
@@ -7556,7 +7618,7 @@
           <a:p>
             <a:fld id="{6F86ED0C-1DA7-41F0-94CF-6218B1FEDFF1}" type="datetime1">
               <a:rPr lang="en-US" smtClean="0"/>
-              <a:t>5/24/2021</a:t>
+              <a:t>5/25/2021</a:t>
             </a:fld>
             <a:endParaRPr lang="en-US" dirty="0"/>
           </a:p>
@@ -7755,7 +7817,7 @@
           <a:p>
             <a:fld id="{EECF02AB-6034-4B88-BC5A-7C17CB0EF809}" type="datetime1">
               <a:rPr lang="en-US" smtClean="0"/>
-              <a:t>5/24/2021</a:t>
+              <a:t>5/25/2021</a:t>
             </a:fld>
             <a:endParaRPr lang="en-US" dirty="0"/>
           </a:p>
@@ -7990,7 +8052,7 @@
           <a:p>
             <a:fld id="{22F3E5F3-28EE-488F-BD53-B744C06C3DEC}" type="datetime1">
               <a:rPr lang="en-US" smtClean="0"/>
-              <a:t>5/24/2021</a:t>
+              <a:t>5/25/2021</a:t>
             </a:fld>
             <a:endParaRPr lang="en-US" dirty="0"/>
           </a:p>
@@ -10683,7 +10745,7 @@
           <a:p>
             <a:fld id="{E72EB70D-CD01-44DA-83B3-8FEB3383D307}" type="datetime1">
               <a:rPr lang="en-US" smtClean="0"/>
-              <a:t>5/24/2021</a:t>
+              <a:t>5/25/2021</a:t>
             </a:fld>
             <a:endParaRPr lang="en-US" dirty="0"/>
           </a:p>
@@ -10879,7 +10941,7 @@
           <a:p>
             <a:fld id="{D0158CFD-9357-46BE-A189-D637A67C8730}" type="datetime1">
               <a:rPr lang="en-US" smtClean="0"/>
-              <a:t>5/24/2021</a:t>
+              <a:t>5/25/2021</a:t>
             </a:fld>
             <a:endParaRPr lang="en-US" dirty="0"/>
           </a:p>
@@ -11268,7 +11330,7 @@
           <a:p>
             <a:fld id="{7B4742EE-B331-4632-BD10-A82FED6B6FC0}" type="datetime1">
               <a:rPr lang="en-US" smtClean="0"/>
-              <a:t>5/24/2021</a:t>
+              <a:t>5/25/2021</a:t>
             </a:fld>
             <a:endParaRPr lang="en-US" dirty="0"/>
           </a:p>
@@ -11434,7 +11496,7 @@
           <a:p>
             <a:fld id="{451BA835-D13F-49F4-8F11-5D576AC65FAD}" type="datetime1">
               <a:rPr lang="en-US" smtClean="0"/>
-              <a:t>5/24/2021</a:t>
+              <a:t>5/25/2021</a:t>
             </a:fld>
             <a:endParaRPr lang="en-US" dirty="0"/>
           </a:p>
@@ -11557,7 +11619,7 @@
           <a:p>
             <a:fld id="{ADBD1799-ACB5-4CB2-86A2-5C574F1C8706}" type="datetime1">
               <a:rPr lang="en-US" smtClean="0"/>
-              <a:t>5/24/2021</a:t>
+              <a:t>5/25/2021</a:t>
             </a:fld>
             <a:endParaRPr lang="en-US" dirty="0"/>
           </a:p>
@@ -11867,7 +11929,7 @@
           <a:p>
             <a:fld id="{ED5DD0D6-7A82-473E-879B-C6ECD6CCCFEC}" type="datetime1">
               <a:rPr lang="en-US" smtClean="0"/>
-              <a:t>5/24/2021</a:t>
+              <a:t>5/25/2021</a:t>
             </a:fld>
             <a:endParaRPr lang="en-US" dirty="0"/>
           </a:p>
@@ -12167,7 +12229,7 @@
           <a:p>
             <a:fld id="{D4605E03-BC17-41A7-854C-DFAB672737DC}" type="datetime1">
               <a:rPr lang="en-US" smtClean="0"/>
-              <a:t>5/24/2021</a:t>
+              <a:t>5/25/2021</a:t>
             </a:fld>
             <a:endParaRPr lang="en-US" dirty="0"/>
           </a:p>
@@ -12419,7 +12481,7 @@
           <a:p>
             <a:fld id="{C4408324-A84C-4A45-93B6-78D079CCE772}" type="datetime1">
               <a:rPr lang="en-US" smtClean="0"/>
-              <a:t>5/24/2021</a:t>
+              <a:t>5/25/2021</a:t>
             </a:fld>
             <a:endParaRPr lang="en-US" dirty="0"/>
           </a:p>
@@ -14062,7 +14124,7 @@
               <a:buChar char="•"/>
             </a:pPr>
             <a:r>
-              <a:rPr lang="sr-Latn-RS">
+              <a:rPr lang="sr-Latn-RS" dirty="0">
                 <a:ea typeface="Meiryo"/>
               </a:rPr>
               <a:t>Razdeliti transakcije u manje delove</a:t>
@@ -14074,7 +14136,7 @@
               <a:buChar char="•"/>
             </a:pPr>
             <a:r>
-              <a:rPr lang="sr-Latn-RS">
+              <a:rPr lang="sr-Latn-RS" dirty="0">
                 <a:ea typeface="Meiryo"/>
               </a:rPr>
               <a:t>Ne treba modifikovati više od 100 dokumenata</a:t>
@@ -14086,7 +14148,7 @@
               <a:buChar char="•"/>
             </a:pPr>
             <a:r>
-              <a:rPr lang="sr-Latn-RS">
+              <a:rPr lang="sr-Latn-RS" dirty="0">
                 <a:ea typeface="Meiryo"/>
               </a:rPr>
               <a:t>Dokument koji sadrži informacije o transakciji je maksimalne veličine 16 MB.</a:t>
@@ -14098,16 +14160,12 @@
               <a:buChar char="•"/>
             </a:pPr>
             <a:r>
-              <a:rPr lang="sr-Latn-RS">
+              <a:rPr lang="sr-Latn-RS" dirty="0">
                 <a:ea typeface="+mn-lt"/>
                 <a:cs typeface="+mn-lt"/>
               </a:rPr>
               <a:t>Kada transakcije prestane, korisniku se vraća exception, i transakcija se roll-back-uje. Na korisniku je kreiranje aplikacione logike</a:t>
             </a:r>
-            <a:endParaRPr lang="sr-Latn-RS" dirty="0">
-              <a:ea typeface="+mn-lt"/>
-              <a:cs typeface="+mn-lt"/>
-            </a:endParaRPr>
           </a:p>
         </p:txBody>
       </p:sp>
@@ -14496,12 +14554,12 @@
           <a:lstStyle/>
           <a:p>
             <a:r>
-              <a:rPr lang="sr-Latn-RS">
+              <a:rPr lang="sr-Latn-RS" dirty="0">
                 <a:ea typeface="Meiryo"/>
               </a:rPr>
               <a:t>Izolacija kod MongoDB-a</a:t>
             </a:r>
-            <a:endParaRPr lang="sr-Latn-RS"/>
+            <a:endParaRPr lang="sr-Latn-RS" dirty="0"/>
           </a:p>
         </p:txBody>
       </p:sp>
@@ -14533,13 +14591,55 @@
               <a:buChar char="•"/>
             </a:pPr>
             <a:r>
-              <a:rPr lang="sr-Latn-RS">
+              <a:rPr lang="sr-Latn-RS" dirty="0">
                 <a:ea typeface="+mn-lt"/>
                 <a:cs typeface="+mn-lt"/>
               </a:rPr>
-              <a:t>Bez obzira na write concern, drugi klijenti koji koriste local ili avaliable read concern mogu da vide rezultat operacije upisa pre nego što je operacija upisa vratila potvrdu o upisu klijentu koji je izdao naredbu za upis.</a:t>
+              <a:t>Bez obzira na write concern, drugi klijenti koji koriste </a:t>
             </a:r>
-            <a:endParaRPr lang="sr-Latn-RS"/>
+            <a:r>
+              <a:rPr lang="sr-Latn-RS" i="1" dirty="0">
+                <a:ea typeface="+mn-lt"/>
+                <a:cs typeface="+mn-lt"/>
+              </a:rPr>
+              <a:t>local</a:t>
+            </a:r>
+            <a:r>
+              <a:rPr lang="sr-Latn-RS" dirty="0">
+                <a:ea typeface="+mn-lt"/>
+                <a:cs typeface="+mn-lt"/>
+              </a:rPr>
+              <a:t> ili </a:t>
+            </a:r>
+            <a:r>
+              <a:rPr lang="sr-Latn-RS" i="1" dirty="0">
+                <a:ea typeface="+mn-lt"/>
+                <a:cs typeface="+mn-lt"/>
+              </a:rPr>
+              <a:t>ava</a:t>
+            </a:r>
+            <a:r>
+              <a:rPr lang="en-US" i="1" dirty="0">
+                <a:ea typeface="+mn-lt"/>
+                <a:cs typeface="+mn-lt"/>
+              </a:rPr>
+              <a:t>il</a:t>
+            </a:r>
+            <a:r>
+              <a:rPr lang="sr-Latn-RS" i="1" dirty="0">
+                <a:ea typeface="+mn-lt"/>
+                <a:cs typeface="+mn-lt"/>
+              </a:rPr>
+              <a:t>able</a:t>
+            </a:r>
+            <a:r>
+              <a:rPr lang="sr-Latn-RS" dirty="0">
+                <a:ea typeface="+mn-lt"/>
+                <a:cs typeface="+mn-lt"/>
+              </a:rPr>
+              <a:t> read concern mogu da vide rezultat operacije upisa pre nego što je operacija upisa vratila potvrdu o upisu klijentu koji je izdao naredbu za upis.</a:t>
+            </a:r>
+            <a:endParaRPr lang="sr-Latn-RS" dirty="0"/>
           </a:p>
           <a:p>
             <a:pPr marL="285750" indent="-285750">
@@ -14547,12 +14647,68 @@
               <a:buChar char="•"/>
             </a:pPr>
             <a:r>
-              <a:rPr lang="sr-Latn-RS">
+              <a:rPr lang="sr-Latn-RS" dirty="0">
                 <a:ea typeface="+mn-lt"/>
                 <a:cs typeface="+mn-lt"/>
               </a:rPr>
-              <a:t>Klijenti koji koriste local ili avaliable read concern mogu da pročitaju podatke koji kasnije mogu biti roll-back-ovani.</a:t>
+              <a:t>Klijenti koji koriste </a:t>
             </a:r>
+            <a:r>
+              <a:rPr lang="sr-Latn-RS" i="1" dirty="0">
+                <a:ea typeface="+mn-lt"/>
+                <a:cs typeface="+mn-lt"/>
+              </a:rPr>
+              <a:t>local</a:t>
+            </a:r>
+            <a:r>
+              <a:rPr lang="sr-Latn-RS" dirty="0">
+                <a:ea typeface="+mn-lt"/>
+                <a:cs typeface="+mn-lt"/>
+              </a:rPr>
+              <a:t> ili </a:t>
+            </a:r>
+            <a:r>
+              <a:rPr lang="sr-Latn-RS" i="1" dirty="0">
+                <a:ea typeface="+mn-lt"/>
+                <a:cs typeface="+mn-lt"/>
+              </a:rPr>
+              <a:t>ava</a:t>
+            </a:r>
+            <a:r>
+              <a:rPr lang="en-US" i="1" dirty="0">
+                <a:ea typeface="+mn-lt"/>
+                <a:cs typeface="+mn-lt"/>
+              </a:rPr>
+              <a:t>il</a:t>
+            </a:r>
+            <a:r>
+              <a:rPr lang="sr-Latn-RS" i="1" dirty="0">
+                <a:ea typeface="+mn-lt"/>
+                <a:cs typeface="+mn-lt"/>
+              </a:rPr>
+              <a:t>able</a:t>
+            </a:r>
+            <a:r>
+              <a:rPr lang="sr-Latn-RS" dirty="0">
+                <a:ea typeface="+mn-lt"/>
+                <a:cs typeface="+mn-lt"/>
+              </a:rPr>
+              <a:t> read concern mogu da pročitaju podatke koji kasnije mogu biti roll-back-ovani.</a:t>
+            </a:r>
+            <a:endParaRPr lang="en-US" dirty="0">
+              <a:ea typeface="+mn-lt"/>
+              <a:cs typeface="+mn-lt"/>
+            </a:endParaRPr>
+          </a:p>
+          <a:p>
+            <a:pPr marL="285750" indent="-285750">
+              <a:buFont typeface="Arial"/>
+              <a:buChar char="•"/>
+            </a:pPr>
+            <a:endParaRPr lang="sr-Latn-RS" dirty="0">
+              <a:ea typeface="+mn-lt"/>
+              <a:cs typeface="+mn-lt"/>
+            </a:endParaRPr>
           </a:p>
           <a:p>
             <a:endParaRPr lang="sr-Latn-RS" dirty="0">
@@ -14576,6 +14732,363 @@
 </file>
 
 <file path=ppt/slides/slide14.xml><?xml version="1.0" encoding="utf-8"?>
+<p:sld xmlns:a="http://schemas.openxmlformats.org/drawingml/2006/main" xmlns:r="http://schemas.openxmlformats.org/officeDocument/2006/relationships" xmlns:p="http://schemas.openxmlformats.org/presentationml/2006/main">
+  <p:cSld>
+    <p:spTree>
+      <p:nvGrpSpPr>
+        <p:cNvPr id="1" name=""/>
+        <p:cNvGrpSpPr/>
+        <p:nvPr/>
+      </p:nvGrpSpPr>
+      <p:grpSpPr>
+        <a:xfrm>
+          <a:off x="0" y="0"/>
+          <a:ext cx="0" cy="0"/>
+          <a:chOff x="0" y="0"/>
+          <a:chExt cx="0" cy="0"/>
+        </a:xfrm>
+      </p:grpSpPr>
+      <p:sp>
+        <p:nvSpPr>
+          <p:cNvPr id="2" name="Naslov 1">
+            <a:extLst>
+              <a:ext uri="{FF2B5EF4-FFF2-40B4-BE49-F238E27FC236}">
+                <a16:creationId xmlns:a16="http://schemas.microsoft.com/office/drawing/2014/main" id="{180E2245-A1FB-4CC0-A69B-77FDC39E1BF1}"/>
+              </a:ext>
+            </a:extLst>
+          </p:cNvPr>
+          <p:cNvSpPr>
+            <a:spLocks noGrp="1"/>
+          </p:cNvSpPr>
+          <p:nvPr>
+            <p:ph type="title"/>
+          </p:nvPr>
+        </p:nvSpPr>
+        <p:spPr/>
+        <p:txBody>
+          <a:bodyPr/>
+          <a:lstStyle/>
+          <a:p>
+            <a:r>
+              <a:rPr lang="sr-Latn-RS" dirty="0">
+                <a:ea typeface="Meiryo"/>
+              </a:rPr>
+              <a:t>Izolacija kod MongoDB-a</a:t>
+            </a:r>
+            <a:endParaRPr lang="sr-Latn-RS" dirty="0"/>
+          </a:p>
+        </p:txBody>
+      </p:sp>
+      <p:sp>
+        <p:nvSpPr>
+          <p:cNvPr id="3" name="Čuvar mesta za sadržaj 2">
+            <a:extLst>
+              <a:ext uri="{FF2B5EF4-FFF2-40B4-BE49-F238E27FC236}">
+                <a16:creationId xmlns:a16="http://schemas.microsoft.com/office/drawing/2014/main" id="{AAA5C3A9-C0DC-4221-872E-EC6291410DB5}"/>
+              </a:ext>
+            </a:extLst>
+          </p:cNvPr>
+          <p:cNvSpPr>
+            <a:spLocks noGrp="1"/>
+          </p:cNvSpPr>
+          <p:nvPr>
+            <p:ph idx="1"/>
+          </p:nvPr>
+        </p:nvSpPr>
+        <p:spPr>
+          <a:xfrm>
+            <a:off x="1204701" y="2578283"/>
+            <a:ext cx="9501447" cy="3556509"/>
+          </a:xfrm>
+        </p:spPr>
+        <p:txBody>
+          <a:bodyPr vert="horz" lIns="109728" tIns="109728" rIns="109728" bIns="91440" rtlCol="0" anchor="t">
+            <a:normAutofit/>
+          </a:bodyPr>
+          <a:lstStyle/>
+          <a:p>
+            <a:r>
+              <a:rPr lang="en-US" sz="2000" b="1" dirty="0">
+                <a:ea typeface="+mn-lt"/>
+                <a:cs typeface="+mn-lt"/>
+              </a:rPr>
+              <a:t>Read </a:t>
+            </a:r>
+            <a:r>
+              <a:rPr lang="en-US" sz="2000" b="1" dirty="0" err="1">
+                <a:ea typeface="+mn-lt"/>
+                <a:cs typeface="+mn-lt"/>
+              </a:rPr>
+              <a:t>uncommited</a:t>
+            </a:r>
+            <a:r>
+              <a:rPr lang="en-US" sz="2000" b="1" dirty="0">
+                <a:ea typeface="+mn-lt"/>
+                <a:cs typeface="+mn-lt"/>
+              </a:rPr>
+              <a:t> </a:t>
+            </a:r>
+            <a:r>
+              <a:rPr lang="sr-Latn-RS" sz="2000" b="1" dirty="0">
+                <a:ea typeface="+mn-lt"/>
+                <a:cs typeface="+mn-lt"/>
+              </a:rPr>
+              <a:t>i atomičnost pojedinačnog dokumenta.</a:t>
+            </a:r>
+          </a:p>
+          <a:p>
+            <a:pPr marL="285750" indent="-285750">
+              <a:buFont typeface="Arial" panose="020B0604020202020204" pitchFamily="34" charset="0"/>
+              <a:buChar char="•"/>
+            </a:pPr>
+            <a:r>
+              <a:rPr lang="sr-Latn-RS" dirty="0">
+                <a:ea typeface="+mn-lt"/>
+                <a:cs typeface="+mn-lt"/>
+              </a:rPr>
+              <a:t>Operacije upisa su atomične za pojedinačne dokumente, odnosno ukoliko upis menja više polja u dokumentu, operacija čitanja nikada neće videti samo neka izmenjena polja.</a:t>
+            </a:r>
+          </a:p>
+          <a:p>
+            <a:pPr marL="285750" indent="-285750">
+              <a:buFont typeface="Arial" panose="020B0604020202020204" pitchFamily="34" charset="0"/>
+              <a:buChar char="•"/>
+            </a:pPr>
+            <a:r>
+              <a:rPr lang="sr-Latn-RS" dirty="0">
+                <a:ea typeface="+mn-lt"/>
+                <a:cs typeface="+mn-lt"/>
+              </a:rPr>
+              <a:t>Ali iako klijent neće videti delimično izmenjen dokument, read uncommitted znači da konkurentne operacije čitanja mogu videti izmenjeni dokument, pre nego što promene postanu trajne</a:t>
+            </a:r>
+          </a:p>
+          <a:p>
+            <a:endParaRPr lang="sr-Latn-RS" dirty="0">
+              <a:ea typeface="+mn-lt"/>
+              <a:cs typeface="+mn-lt"/>
+            </a:endParaRPr>
+          </a:p>
+        </p:txBody>
+      </p:sp>
+    </p:spTree>
+    <p:extLst>
+      <p:ext uri="{BB962C8B-B14F-4D97-AF65-F5344CB8AC3E}">
+        <p14:creationId xmlns:p14="http://schemas.microsoft.com/office/powerpoint/2010/main" val="4116520488"/>
+      </p:ext>
+    </p:extLst>
+  </p:cSld>
+  <p:clrMapOvr>
+    <a:masterClrMapping/>
+  </p:clrMapOvr>
+</p:sld>
+</file>
+
+<file path=ppt/slides/slide15.xml><?xml version="1.0" encoding="utf-8"?>
+<p:sld xmlns:a="http://schemas.openxmlformats.org/drawingml/2006/main" xmlns:r="http://schemas.openxmlformats.org/officeDocument/2006/relationships" xmlns:p="http://schemas.openxmlformats.org/presentationml/2006/main">
+  <p:cSld>
+    <p:spTree>
+      <p:nvGrpSpPr>
+        <p:cNvPr id="1" name=""/>
+        <p:cNvGrpSpPr/>
+        <p:nvPr/>
+      </p:nvGrpSpPr>
+      <p:grpSpPr>
+        <a:xfrm>
+          <a:off x="0" y="0"/>
+          <a:ext cx="0" cy="0"/>
+          <a:chOff x="0" y="0"/>
+          <a:chExt cx="0" cy="0"/>
+        </a:xfrm>
+      </p:grpSpPr>
+      <p:sp>
+        <p:nvSpPr>
+          <p:cNvPr id="2" name="Naslov 1">
+            <a:extLst>
+              <a:ext uri="{FF2B5EF4-FFF2-40B4-BE49-F238E27FC236}">
+                <a16:creationId xmlns:a16="http://schemas.microsoft.com/office/drawing/2014/main" id="{180E2245-A1FB-4CC0-A69B-77FDC39E1BF1}"/>
+              </a:ext>
+            </a:extLst>
+          </p:cNvPr>
+          <p:cNvSpPr>
+            <a:spLocks noGrp="1"/>
+          </p:cNvSpPr>
+          <p:nvPr>
+            <p:ph type="title"/>
+          </p:nvPr>
+        </p:nvSpPr>
+        <p:spPr/>
+        <p:txBody>
+          <a:bodyPr/>
+          <a:lstStyle/>
+          <a:p>
+            <a:r>
+              <a:rPr lang="sr-Latn-RS" dirty="0">
+                <a:ea typeface="Meiryo"/>
+              </a:rPr>
+              <a:t>Izolacija kod MongoDB-a</a:t>
+            </a:r>
+            <a:endParaRPr lang="sr-Latn-RS" dirty="0"/>
+          </a:p>
+        </p:txBody>
+      </p:sp>
+      <p:sp>
+        <p:nvSpPr>
+          <p:cNvPr id="3" name="Čuvar mesta za sadržaj 2">
+            <a:extLst>
+              <a:ext uri="{FF2B5EF4-FFF2-40B4-BE49-F238E27FC236}">
+                <a16:creationId xmlns:a16="http://schemas.microsoft.com/office/drawing/2014/main" id="{AAA5C3A9-C0DC-4221-872E-EC6291410DB5}"/>
+              </a:ext>
+            </a:extLst>
+          </p:cNvPr>
+          <p:cNvSpPr>
+            <a:spLocks noGrp="1"/>
+          </p:cNvSpPr>
+          <p:nvPr>
+            <p:ph idx="1"/>
+          </p:nvPr>
+        </p:nvSpPr>
+        <p:spPr>
+          <a:xfrm>
+            <a:off x="1204702" y="2578283"/>
+            <a:ext cx="9486110" cy="4022022"/>
+          </a:xfrm>
+        </p:spPr>
+        <p:txBody>
+          <a:bodyPr vert="horz" lIns="109728" tIns="109728" rIns="109728" bIns="91440" rtlCol="0" anchor="t">
+            <a:normAutofit/>
+          </a:bodyPr>
+          <a:lstStyle/>
+          <a:p>
+            <a:r>
+              <a:rPr lang="en-US" sz="2000" b="1" dirty="0">
+                <a:ea typeface="+mn-lt"/>
+                <a:cs typeface="+mn-lt"/>
+              </a:rPr>
+              <a:t>Read </a:t>
+            </a:r>
+            <a:r>
+              <a:rPr lang="en-US" sz="2000" b="1" dirty="0" err="1">
+                <a:ea typeface="+mn-lt"/>
+                <a:cs typeface="+mn-lt"/>
+              </a:rPr>
+              <a:t>uncommited</a:t>
+            </a:r>
+            <a:r>
+              <a:rPr lang="en-US" sz="2000" b="1" dirty="0">
+                <a:ea typeface="+mn-lt"/>
+                <a:cs typeface="+mn-lt"/>
+              </a:rPr>
+              <a:t> </a:t>
+            </a:r>
+            <a:r>
+              <a:rPr lang="en-US" sz="2000" b="1" dirty="0" err="1">
+                <a:ea typeface="+mn-lt"/>
+                <a:cs typeface="+mn-lt"/>
+              </a:rPr>
+              <a:t>i</a:t>
+            </a:r>
+            <a:r>
+              <a:rPr lang="en-US" sz="2000" b="1" dirty="0">
+                <a:ea typeface="+mn-lt"/>
+                <a:cs typeface="+mn-lt"/>
+              </a:rPr>
+              <a:t> </a:t>
+            </a:r>
+            <a:r>
+              <a:rPr lang="en-US" sz="2000" b="1" dirty="0" err="1">
+                <a:ea typeface="+mn-lt"/>
+                <a:cs typeface="+mn-lt"/>
+              </a:rPr>
+              <a:t>upis</a:t>
+            </a:r>
+            <a:r>
+              <a:rPr lang="en-US" sz="2000" b="1" dirty="0">
+                <a:ea typeface="+mn-lt"/>
+                <a:cs typeface="+mn-lt"/>
+              </a:rPr>
+              <a:t> u </a:t>
+            </a:r>
+            <a:r>
+              <a:rPr lang="en-US" sz="2000" b="1" dirty="0" err="1">
+                <a:ea typeface="+mn-lt"/>
+                <a:cs typeface="+mn-lt"/>
+              </a:rPr>
+              <a:t>više</a:t>
+            </a:r>
+            <a:r>
+              <a:rPr lang="en-US" sz="2000" b="1" dirty="0">
+                <a:ea typeface="+mn-lt"/>
+                <a:cs typeface="+mn-lt"/>
+              </a:rPr>
+              <a:t> </a:t>
+            </a:r>
+            <a:r>
+              <a:rPr lang="en-US" sz="2000" b="1" dirty="0" err="1">
+                <a:ea typeface="+mn-lt"/>
+                <a:cs typeface="+mn-lt"/>
+              </a:rPr>
+              <a:t>dokumenata</a:t>
+            </a:r>
+            <a:endParaRPr lang="sr-Latn-RS" sz="2000" b="1" dirty="0">
+              <a:ea typeface="+mn-lt"/>
+              <a:cs typeface="+mn-lt"/>
+            </a:endParaRPr>
+          </a:p>
+          <a:p>
+            <a:pPr marL="285750" indent="-285750">
+              <a:buFont typeface="Arial" panose="020B0604020202020204" pitchFamily="34" charset="0"/>
+              <a:buChar char="•"/>
+            </a:pPr>
+            <a:r>
+              <a:rPr lang="sr-Latn-RS" dirty="0">
+                <a:ea typeface="+mn-lt"/>
+                <a:cs typeface="+mn-lt"/>
+              </a:rPr>
+              <a:t>Kada jedna operacija upisa (primer updateMany) izmenjuje više dokumenata, modifikacija pojedinačnog dokumenta jeste atomična, ali cela operacija nije atomična. </a:t>
+            </a:r>
+          </a:p>
+          <a:p>
+            <a:pPr marL="285750" indent="-285750">
+              <a:buFont typeface="Arial" panose="020B0604020202020204" pitchFamily="34" charset="0"/>
+              <a:buChar char="•"/>
+            </a:pPr>
+            <a:r>
+              <a:rPr lang="sr-Latn-RS" dirty="0">
+                <a:ea typeface="+mn-lt"/>
+                <a:cs typeface="+mn-lt"/>
+              </a:rPr>
+              <a:t>Prilikom izmene više dokumenata, bez obzira na to da li se izmena obavlja kroz jednu ili više operacija, druge operacije, se mogu umešati.</a:t>
+            </a:r>
+          </a:p>
+          <a:p>
+            <a:pPr marL="285750" indent="-285750">
+              <a:buFont typeface="Arial" panose="020B0604020202020204" pitchFamily="34" charset="0"/>
+              <a:buChar char="•"/>
+            </a:pPr>
+            <a:r>
+              <a:rPr lang="sr-Latn-RS" dirty="0">
+                <a:ea typeface="+mn-lt"/>
+                <a:cs typeface="+mn-lt"/>
+              </a:rPr>
+              <a:t>Tada treba koristiti transakcije</a:t>
+            </a:r>
+          </a:p>
+        </p:txBody>
+      </p:sp>
+    </p:spTree>
+    <p:extLst>
+      <p:ext uri="{BB962C8B-B14F-4D97-AF65-F5344CB8AC3E}">
+        <p14:creationId xmlns:p14="http://schemas.microsoft.com/office/powerpoint/2010/main" val="1132898792"/>
+      </p:ext>
+    </p:extLst>
+  </p:cSld>
+  <p:clrMapOvr>
+    <a:masterClrMapping/>
+  </p:clrMapOvr>
+</p:sld>
+</file>
+
+<file path=ppt/slides/slide16.xml><?xml version="1.0" encoding="utf-8"?>
 <p:sld xmlns:a="http://schemas.openxmlformats.org/drawingml/2006/main" xmlns:r="http://schemas.openxmlformats.org/officeDocument/2006/relationships" xmlns:p="http://schemas.openxmlformats.org/presentationml/2006/main">
   <p:cSld>
     <p:spTree>
@@ -14651,23 +15164,16 @@
                 <a:ea typeface="+mn-lt"/>
                 <a:cs typeface="+mn-lt"/>
               </a:rPr>
-              <a:t>MongoDB baza podataka koristi multigranularno zaključavanje, </a:t>
+              <a:t>MongoDB baza podataka koristi multigranularno zaključavanje, koje dozvoljava zaključavanje na:</a:t>
             </a:r>
-            <a:r>
-              <a:rPr lang="sr-Latn-RS">
-                <a:ea typeface="+mn-lt"/>
-                <a:cs typeface="+mn-lt"/>
-              </a:rPr>
-              <a:t>koje dozvoljava zaključavanje na:</a:t>
-            </a:r>
-            <a:endParaRPr lang="sr-Latn-RS" dirty="0">
-              <a:ea typeface="+mn-lt"/>
-              <a:cs typeface="+mn-lt"/>
-            </a:endParaRPr>
           </a:p>
           <a:p>
+            <a:pPr marL="285750" indent="-285750">
+              <a:buFont typeface="Arial" panose="020B0604020202020204" pitchFamily="34" charset="0"/>
+              <a:buChar char="•"/>
+            </a:pPr>
             <a:r>
-              <a:rPr lang="sr-Latn-RS">
+              <a:rPr lang="sr-Latn-RS" dirty="0">
                 <a:ea typeface="+mn-lt"/>
                 <a:cs typeface="+mn-lt"/>
               </a:rPr>
@@ -14675,8 +15181,12 @@
             </a:r>
           </a:p>
           <a:p>
+            <a:pPr marL="285750" indent="-285750">
+              <a:buFont typeface="Arial" panose="020B0604020202020204" pitchFamily="34" charset="0"/>
+              <a:buChar char="•"/>
+            </a:pPr>
             <a:r>
-              <a:rPr lang="sr-Latn-RS">
+              <a:rPr lang="sr-Latn-RS" dirty="0">
                 <a:ea typeface="+mn-lt"/>
                 <a:cs typeface="+mn-lt"/>
               </a:rPr>
@@ -14684,8 +15194,12 @@
             </a:r>
           </a:p>
           <a:p>
+            <a:pPr marL="285750" indent="-285750">
+              <a:buFont typeface="Arial" panose="020B0604020202020204" pitchFamily="34" charset="0"/>
+              <a:buChar char="•"/>
+            </a:pPr>
             <a:r>
-              <a:rPr lang="sr-Latn-RS">
+              <a:rPr lang="sr-Latn-RS" dirty="0">
                 <a:ea typeface="+mn-lt"/>
                 <a:cs typeface="+mn-lt"/>
               </a:rPr>
@@ -14693,21 +15207,18 @@
             </a:r>
           </a:p>
           <a:p>
-            <a:r>
-              <a:rPr lang="sr-Latn-RS">
-                <a:ea typeface="+mn-lt"/>
-                <a:cs typeface="+mn-lt"/>
-              </a:rPr>
-              <a:t>Ispod nivoa kolekcije storage engine-ima(kod </a:t>
-            </a:r>
+            <a:pPr marL="285750" indent="-285750">
+              <a:buFont typeface="Arial" panose="020B0604020202020204" pitchFamily="34" charset="0"/>
+              <a:buChar char="•"/>
+            </a:pPr>
             <a:r>
               <a:rPr lang="sr-Latn-RS" dirty="0">
                 <a:ea typeface="+mn-lt"/>
                 <a:cs typeface="+mn-lt"/>
               </a:rPr>
-              <a:t>WiredTriger-a, je na nivou dokumenata).</a:t>
+              <a:t>Ispod nivoa kolekcije storage engine-ima(kod WiredTriger-a, je na nivou dokumenata).</a:t>
             </a:r>
-            <a:endParaRPr lang="sr-Latn-RS">
+            <a:endParaRPr lang="sr-Latn-RS" dirty="0">
               <a:ea typeface="Meiryo"/>
             </a:endParaRPr>
           </a:p>
@@ -14726,7 +15237,7 @@
 </p:sld>
 </file>
 
-<file path=ppt/slides/slide15.xml><?xml version="1.0" encoding="utf-8"?>
+<file path=ppt/slides/slide17.xml><?xml version="1.0" encoding="utf-8"?>
 <p:sld xmlns:a="http://schemas.openxmlformats.org/drawingml/2006/main" xmlns:r="http://schemas.openxmlformats.org/officeDocument/2006/relationships" xmlns:p="http://schemas.openxmlformats.org/presentationml/2006/main">
   <p:cSld>
     <p:spTree>
@@ -14790,15 +15301,25 @@
             <p:ph idx="1"/>
           </p:nvPr>
         </p:nvSpPr>
-        <p:spPr/>
+        <p:spPr>
+          <a:xfrm>
+            <a:off x="1653748" y="2356664"/>
+            <a:ext cx="5403999" cy="2863406"/>
+          </a:xfrm>
+        </p:spPr>
         <p:txBody>
           <a:bodyPr vert="horz" lIns="109728" tIns="109728" rIns="109728" bIns="91440" rtlCol="0" anchor="t">
             <a:normAutofit/>
           </a:bodyPr>
           <a:lstStyle/>
           <a:p>
+            <a:pPr>
+              <a:lnSpc>
+                <a:spcPct val="100000"/>
+              </a:lnSpc>
+            </a:pPr>
             <a:r>
-              <a:rPr lang="sr-Latn-RS">
+              <a:rPr lang="sr-Latn-RS" dirty="0">
                 <a:ea typeface="Meiryo"/>
               </a:rPr>
               <a:t>Modovi zaključavanja su:</a:t>
@@ -14806,11 +15327,14 @@
           </a:p>
           <a:p>
             <a:pPr>
+              <a:lnSpc>
+                <a:spcPct val="100000"/>
+              </a:lnSpc>
               <a:buFont typeface="Arial" panose="020B0503020204020204" pitchFamily="34" charset="0"/>
               <a:buChar char="•"/>
             </a:pPr>
             <a:r>
-              <a:rPr lang="sr-Latn-RS">
+              <a:rPr lang="sr-Latn-RS" dirty="0">
                 <a:ea typeface="+mn-lt"/>
                 <a:cs typeface="+mn-lt"/>
               </a:rPr>
@@ -14822,54 +15346,524 @@
           </a:p>
           <a:p>
             <a:pPr>
+              <a:lnSpc>
+                <a:spcPct val="100000"/>
+              </a:lnSpc>
               <a:buFont typeface="Arial" panose="020B0503020204020204" pitchFamily="34" charset="0"/>
               <a:buChar char="•"/>
             </a:pPr>
             <a:r>
-              <a:rPr lang="sr-Latn-RS">
+              <a:rPr lang="sr-Latn-RS" dirty="0">
                 <a:ea typeface="+mn-lt"/>
                 <a:cs typeface="+mn-lt"/>
               </a:rPr>
               <a:t>W – Ekskluzivan lock (X)</a:t>
             </a:r>
-            <a:endParaRPr lang="sr-Latn-RS"/>
+            <a:endParaRPr lang="sr-Latn-RS" dirty="0"/>
           </a:p>
           <a:p>
             <a:pPr>
+              <a:lnSpc>
+                <a:spcPct val="100000"/>
+              </a:lnSpc>
               <a:buFont typeface="Arial" panose="020B0503020204020204" pitchFamily="34" charset="0"/>
               <a:buChar char="•"/>
             </a:pPr>
             <a:r>
-              <a:rPr lang="sr-Latn-RS">
+              <a:rPr lang="sr-Latn-RS" dirty="0">
                 <a:ea typeface="+mn-lt"/>
                 <a:cs typeface="+mn-lt"/>
               </a:rPr>
               <a:t>r – Intent shared lock (IS)</a:t>
             </a:r>
-            <a:endParaRPr lang="sr-Latn-RS"/>
+            <a:endParaRPr lang="sr-Latn-RS" dirty="0"/>
           </a:p>
           <a:p>
             <a:pPr>
+              <a:lnSpc>
+                <a:spcPct val="100000"/>
+              </a:lnSpc>
               <a:buFont typeface="Arial" panose="020B0503020204020204" pitchFamily="34" charset="0"/>
               <a:buChar char="•"/>
             </a:pPr>
             <a:r>
-              <a:rPr lang="sr-Latn-RS">
+              <a:rPr lang="sr-Latn-RS" dirty="0">
                 <a:ea typeface="+mn-lt"/>
                 <a:cs typeface="+mn-lt"/>
               </a:rPr>
               <a:t>w – Intent exclusive lock (IX)</a:t>
             </a:r>
-            <a:endParaRPr lang="sr-Latn-RS"/>
+            <a:endParaRPr lang="sr-Latn-RS" dirty="0"/>
+          </a:p>
+          <a:p>
+            <a:endParaRPr lang="sr-Latn-RS" dirty="0">
+              <a:ea typeface="Meiryo"/>
+            </a:endParaRPr>
+          </a:p>
+        </p:txBody>
+      </p:sp>
+      <p:sp>
+        <p:nvSpPr>
+          <p:cNvPr id="4" name="TextBox 3">
+            <a:extLst>
+              <a:ext uri="{FF2B5EF4-FFF2-40B4-BE49-F238E27FC236}">
+                <a16:creationId xmlns:a16="http://schemas.microsoft.com/office/drawing/2014/main" id="{F466DD13-67BF-4140-A3F0-98450E1E5DE3}"/>
+              </a:ext>
+            </a:extLst>
+          </p:cNvPr>
+          <p:cNvSpPr txBox="1"/>
+          <p:nvPr/>
+        </p:nvSpPr>
+        <p:spPr>
+          <a:xfrm>
+            <a:off x="3313903" y="4841911"/>
+            <a:ext cx="8498930" cy="1200329"/>
+          </a:xfrm>
+          <a:prstGeom prst="rect">
+            <a:avLst/>
+          </a:prstGeom>
+          <a:scene3d>
+            <a:camera prst="orthographicFront"/>
+            <a:lightRig rig="threePt" dir="t"/>
+          </a:scene3d>
+          <a:sp3d>
+            <a:bevelT w="165100" prst="coolSlant"/>
+          </a:sp3d>
+        </p:spPr>
+        <p:style>
+          <a:lnRef idx="2">
+            <a:schemeClr val="accent4">
+              <a:shade val="50000"/>
+            </a:schemeClr>
+          </a:lnRef>
+          <a:fillRef idx="1">
+            <a:schemeClr val="accent4"/>
+          </a:fillRef>
+          <a:effectRef idx="0">
+            <a:schemeClr val="accent4"/>
+          </a:effectRef>
+          <a:fontRef idx="minor">
+            <a:schemeClr val="lt1"/>
+          </a:fontRef>
+        </p:style>
+        <p:txBody>
+          <a:bodyPr wrap="none" rtlCol="0">
+            <a:spAutoFit/>
+          </a:bodyPr>
+          <a:lstStyle/>
+          <a:p>
+            <a:pPr marL="285750" indent="-285750">
+              <a:buFont typeface="Arial" panose="020B0604020202020204" pitchFamily="34" charset="0"/>
+              <a:buChar char="•"/>
+            </a:pPr>
+            <a:r>
+              <a:rPr lang="pl-PL" dirty="0">
+                <a:solidFill>
+                  <a:schemeClr val="tx1">
+                    <a:lumMod val="75000"/>
+                    <a:lumOff val="25000"/>
+                  </a:schemeClr>
+                </a:solidFill>
+              </a:rPr>
+              <a:t>Baza može istovremeno da bude zaključana i u IS i u IX mod-u</a:t>
+            </a:r>
+            <a:endParaRPr lang="en-US" dirty="0">
+              <a:solidFill>
+                <a:schemeClr val="tx1">
+                  <a:lumMod val="75000"/>
+                  <a:lumOff val="25000"/>
+                </a:schemeClr>
+              </a:solidFill>
+            </a:endParaRPr>
           </a:p>
           <a:p>
             <a:pPr marL="285750" indent="-285750">
-              <a:buFont typeface="Arial" panose="020B0503020204020204" pitchFamily="34" charset="0"/>
+              <a:buFont typeface="Arial" panose="020B0604020202020204" pitchFamily="34" charset="0"/>
               <a:buChar char="•"/>
             </a:pPr>
-            <a:endParaRPr lang="sr-Latn-RS" dirty="0">
-              <a:ea typeface="Meiryo"/>
+            <a:r>
+              <a:rPr lang="en-US" dirty="0">
+                <a:solidFill>
+                  <a:schemeClr val="tx1">
+                    <a:lumMod val="75000"/>
+                    <a:lumOff val="25000"/>
+                  </a:schemeClr>
+                </a:solidFill>
+              </a:rPr>
+              <a:t>X lock ne </a:t>
+            </a:r>
+            <a:r>
+              <a:rPr lang="en-US" dirty="0" err="1">
+                <a:solidFill>
+                  <a:schemeClr val="tx1">
+                    <a:lumMod val="75000"/>
+                    <a:lumOff val="25000"/>
+                  </a:schemeClr>
+                </a:solidFill>
+              </a:rPr>
+              <a:t>može</a:t>
+            </a:r>
+            <a:r>
+              <a:rPr lang="en-US" dirty="0">
+                <a:solidFill>
+                  <a:schemeClr val="tx1">
+                    <a:lumMod val="75000"/>
+                    <a:lumOff val="25000"/>
+                  </a:schemeClr>
+                </a:solidFill>
+              </a:rPr>
+              <a:t> da </a:t>
+            </a:r>
+            <a:r>
+              <a:rPr lang="en-US" dirty="0" err="1">
+                <a:solidFill>
+                  <a:schemeClr val="tx1">
+                    <a:lumMod val="75000"/>
+                    <a:lumOff val="25000"/>
+                  </a:schemeClr>
+                </a:solidFill>
+              </a:rPr>
+              <a:t>koegzistira</a:t>
+            </a:r>
+            <a:r>
+              <a:rPr lang="en-US" dirty="0">
+                <a:solidFill>
+                  <a:schemeClr val="tx1">
+                    <a:lumMod val="75000"/>
+                    <a:lumOff val="25000"/>
+                  </a:schemeClr>
+                </a:solidFill>
+              </a:rPr>
+              <a:t> </a:t>
+            </a:r>
+            <a:r>
+              <a:rPr lang="en-US" dirty="0" err="1">
+                <a:solidFill>
+                  <a:schemeClr val="tx1">
+                    <a:lumMod val="75000"/>
+                    <a:lumOff val="25000"/>
+                  </a:schemeClr>
+                </a:solidFill>
+              </a:rPr>
+              <a:t>ni</a:t>
+            </a:r>
+            <a:r>
+              <a:rPr lang="en-US" dirty="0">
+                <a:solidFill>
+                  <a:schemeClr val="tx1">
+                    <a:lumMod val="75000"/>
+                    <a:lumOff val="25000"/>
+                  </a:schemeClr>
+                </a:solidFill>
+              </a:rPr>
+              <a:t> </a:t>
+            </a:r>
+            <a:r>
+              <a:rPr lang="en-US" dirty="0" err="1">
+                <a:solidFill>
+                  <a:schemeClr val="tx1">
+                    <a:lumMod val="75000"/>
+                    <a:lumOff val="25000"/>
+                  </a:schemeClr>
+                </a:solidFill>
+              </a:rPr>
+              <a:t>sa</a:t>
+            </a:r>
+            <a:r>
+              <a:rPr lang="en-US" dirty="0">
+                <a:solidFill>
+                  <a:schemeClr val="tx1">
+                    <a:lumMod val="75000"/>
+                    <a:lumOff val="25000"/>
+                  </a:schemeClr>
+                </a:solidFill>
+              </a:rPr>
+              <a:t> </a:t>
+            </a:r>
+            <a:r>
+              <a:rPr lang="en-US" dirty="0" err="1">
+                <a:solidFill>
+                  <a:schemeClr val="tx1">
+                    <a:lumMod val="75000"/>
+                    <a:lumOff val="25000"/>
+                  </a:schemeClr>
+                </a:solidFill>
+              </a:rPr>
+              <a:t>jednim</a:t>
+            </a:r>
+            <a:r>
+              <a:rPr lang="en-US" dirty="0">
+                <a:solidFill>
+                  <a:schemeClr val="tx1">
+                    <a:lumMod val="75000"/>
+                    <a:lumOff val="25000"/>
+                  </a:schemeClr>
+                </a:solidFill>
+              </a:rPr>
+              <a:t> </a:t>
+            </a:r>
+            <a:r>
+              <a:rPr lang="en-US" dirty="0" err="1">
+                <a:solidFill>
+                  <a:schemeClr val="tx1">
+                    <a:lumMod val="75000"/>
+                    <a:lumOff val="25000"/>
+                  </a:schemeClr>
+                </a:solidFill>
+              </a:rPr>
+              <a:t>drugim</a:t>
+            </a:r>
+            <a:r>
+              <a:rPr lang="en-US" dirty="0">
+                <a:solidFill>
+                  <a:schemeClr val="tx1">
+                    <a:lumMod val="75000"/>
+                    <a:lumOff val="25000"/>
+                  </a:schemeClr>
+                </a:solidFill>
+              </a:rPr>
+              <a:t> </a:t>
+            </a:r>
+            <a:r>
+              <a:rPr lang="en-US" dirty="0" err="1">
+                <a:solidFill>
+                  <a:schemeClr val="tx1">
+                    <a:lumMod val="75000"/>
+                    <a:lumOff val="25000"/>
+                  </a:schemeClr>
+                </a:solidFill>
+              </a:rPr>
+              <a:t>modom</a:t>
+            </a:r>
+            <a:endParaRPr lang="en-US" dirty="0">
+              <a:solidFill>
+                <a:schemeClr val="tx1">
+                  <a:lumMod val="75000"/>
+                  <a:lumOff val="25000"/>
+                </a:schemeClr>
+              </a:solidFill>
             </a:endParaRPr>
+          </a:p>
+          <a:p>
+            <a:pPr marL="285750" indent="-285750">
+              <a:buFont typeface="Arial" panose="020B0604020202020204" pitchFamily="34" charset="0"/>
+              <a:buChar char="•"/>
+            </a:pPr>
+            <a:r>
+              <a:rPr lang="sv-SE" dirty="0">
+                <a:solidFill>
+                  <a:schemeClr val="tx1">
+                    <a:lumMod val="75000"/>
+                    <a:lumOff val="25000"/>
+                  </a:schemeClr>
+                </a:solidFill>
+              </a:rPr>
+              <a:t>S lock može da koegzistira samo sa IS lock-om</a:t>
+            </a:r>
+          </a:p>
+          <a:p>
+            <a:pPr marL="285750" indent="-285750">
+              <a:buFont typeface="Arial" panose="020B0604020202020204" pitchFamily="34" charset="0"/>
+              <a:buChar char="•"/>
+            </a:pPr>
+            <a:r>
+              <a:rPr lang="en-US" dirty="0" err="1">
+                <a:solidFill>
+                  <a:schemeClr val="tx1">
+                    <a:lumMod val="75000"/>
+                    <a:lumOff val="25000"/>
+                  </a:schemeClr>
+                </a:solidFill>
+              </a:rPr>
+              <a:t>Zaključavanja</a:t>
+            </a:r>
+            <a:r>
+              <a:rPr lang="en-US" dirty="0">
+                <a:solidFill>
+                  <a:schemeClr val="tx1">
+                    <a:lumMod val="75000"/>
+                    <a:lumOff val="25000"/>
+                  </a:schemeClr>
+                </a:solidFill>
+              </a:rPr>
+              <a:t> </a:t>
+            </a:r>
+            <a:r>
+              <a:rPr lang="en-US" dirty="0" err="1">
+                <a:solidFill>
+                  <a:schemeClr val="tx1">
+                    <a:lumMod val="75000"/>
+                    <a:lumOff val="25000"/>
+                  </a:schemeClr>
+                </a:solidFill>
+              </a:rPr>
+              <a:t>su</a:t>
+            </a:r>
+            <a:r>
+              <a:rPr lang="en-US" dirty="0">
+                <a:solidFill>
+                  <a:schemeClr val="tx1">
+                    <a:lumMod val="75000"/>
+                    <a:lumOff val="25000"/>
+                  </a:schemeClr>
+                </a:solidFill>
+              </a:rPr>
+              <a:t> fer, </a:t>
+            </a:r>
+            <a:r>
+              <a:rPr lang="en-US" dirty="0" err="1">
+                <a:solidFill>
+                  <a:schemeClr val="tx1">
+                    <a:lumMod val="75000"/>
+                    <a:lumOff val="25000"/>
+                  </a:schemeClr>
+                </a:solidFill>
+              </a:rPr>
+              <a:t>jer</a:t>
+            </a:r>
+            <a:r>
+              <a:rPr lang="en-US" dirty="0">
+                <a:solidFill>
+                  <a:schemeClr val="tx1">
+                    <a:lumMod val="75000"/>
+                    <a:lumOff val="25000"/>
+                  </a:schemeClr>
+                </a:solidFill>
+              </a:rPr>
+              <a:t> </a:t>
+            </a:r>
+            <a:r>
+              <a:rPr lang="en-US" dirty="0" err="1">
+                <a:solidFill>
+                  <a:schemeClr val="tx1">
+                    <a:lumMod val="75000"/>
+                    <a:lumOff val="25000"/>
+                  </a:schemeClr>
+                </a:solidFill>
+              </a:rPr>
+              <a:t>operacije</a:t>
+            </a:r>
+            <a:r>
+              <a:rPr lang="en-US" dirty="0">
+                <a:solidFill>
+                  <a:schemeClr val="tx1">
+                    <a:lumMod val="75000"/>
+                    <a:lumOff val="25000"/>
+                  </a:schemeClr>
+                </a:solidFill>
+              </a:rPr>
+              <a:t> </a:t>
+            </a:r>
+            <a:r>
+              <a:rPr lang="en-US" dirty="0" err="1">
+                <a:solidFill>
+                  <a:schemeClr val="tx1">
+                    <a:lumMod val="75000"/>
+                    <a:lumOff val="25000"/>
+                  </a:schemeClr>
+                </a:solidFill>
+              </a:rPr>
+              <a:t>čitanja</a:t>
+            </a:r>
+            <a:r>
+              <a:rPr lang="en-US" dirty="0">
+                <a:solidFill>
+                  <a:schemeClr val="tx1">
+                    <a:lumMod val="75000"/>
+                    <a:lumOff val="25000"/>
+                  </a:schemeClr>
+                </a:solidFill>
+              </a:rPr>
+              <a:t> </a:t>
+            </a:r>
+            <a:r>
+              <a:rPr lang="en-US" dirty="0" err="1">
+                <a:solidFill>
+                  <a:schemeClr val="tx1">
+                    <a:lumMod val="75000"/>
+                    <a:lumOff val="25000"/>
+                  </a:schemeClr>
+                </a:solidFill>
+              </a:rPr>
+              <a:t>i</a:t>
+            </a:r>
+            <a:r>
+              <a:rPr lang="en-US" dirty="0">
+                <a:solidFill>
+                  <a:schemeClr val="tx1">
+                    <a:lumMod val="75000"/>
+                    <a:lumOff val="25000"/>
+                  </a:schemeClr>
+                </a:solidFill>
+              </a:rPr>
+              <a:t> </a:t>
+            </a:r>
+            <a:r>
+              <a:rPr lang="en-US" dirty="0" err="1">
+                <a:solidFill>
+                  <a:schemeClr val="tx1">
+                    <a:lumMod val="75000"/>
+                    <a:lumOff val="25000"/>
+                  </a:schemeClr>
+                </a:solidFill>
+              </a:rPr>
+              <a:t>upisa</a:t>
+            </a:r>
+            <a:r>
+              <a:rPr lang="en-US" dirty="0">
+                <a:solidFill>
+                  <a:schemeClr val="tx1">
+                    <a:lumMod val="75000"/>
+                    <a:lumOff val="25000"/>
+                  </a:schemeClr>
+                </a:solidFill>
+              </a:rPr>
+              <a:t> </a:t>
+            </a:r>
+            <a:r>
+              <a:rPr lang="en-US" dirty="0" err="1">
+                <a:solidFill>
+                  <a:schemeClr val="tx1">
+                    <a:lumMod val="75000"/>
+                    <a:lumOff val="25000"/>
+                  </a:schemeClr>
+                </a:solidFill>
+              </a:rPr>
+              <a:t>bivaju</a:t>
+            </a:r>
+            <a:r>
+              <a:rPr lang="en-US" dirty="0">
+                <a:solidFill>
+                  <a:schemeClr val="tx1">
+                    <a:lumMod val="75000"/>
+                    <a:lumOff val="25000"/>
+                  </a:schemeClr>
+                </a:solidFill>
+              </a:rPr>
+              <a:t> </a:t>
+            </a:r>
+            <a:r>
+              <a:rPr lang="en-US" dirty="0" err="1">
+                <a:solidFill>
+                  <a:schemeClr val="tx1">
+                    <a:lumMod val="75000"/>
+                    <a:lumOff val="25000"/>
+                  </a:schemeClr>
+                </a:solidFill>
+              </a:rPr>
+              <a:t>smeštana</a:t>
+            </a:r>
+            <a:r>
+              <a:rPr lang="en-US" dirty="0">
+                <a:solidFill>
+                  <a:schemeClr val="tx1">
+                    <a:lumMod val="75000"/>
+                    <a:lumOff val="25000"/>
+                  </a:schemeClr>
+                </a:solidFill>
+              </a:rPr>
+              <a:t> u red</a:t>
+            </a:r>
           </a:p>
         </p:txBody>
       </p:sp>
@@ -14886,7 +15880,107 @@
 </p:sld>
 </file>
 
-<file path=ppt/slides/slide16.xml><?xml version="1.0" encoding="utf-8"?>
+<file path=ppt/slides/slide18.xml><?xml version="1.0" encoding="utf-8"?>
+<p:sld xmlns:a="http://schemas.openxmlformats.org/drawingml/2006/main" xmlns:r="http://schemas.openxmlformats.org/officeDocument/2006/relationships" xmlns:p="http://schemas.openxmlformats.org/presentationml/2006/main">
+  <p:cSld>
+    <p:spTree>
+      <p:nvGrpSpPr>
+        <p:cNvPr id="1" name=""/>
+        <p:cNvGrpSpPr/>
+        <p:nvPr/>
+      </p:nvGrpSpPr>
+      <p:grpSpPr>
+        <a:xfrm>
+          <a:off x="0" y="0"/>
+          <a:ext cx="0" cy="0"/>
+          <a:chOff x="0" y="0"/>
+          <a:chExt cx="0" cy="0"/>
+        </a:xfrm>
+      </p:grpSpPr>
+      <p:sp>
+        <p:nvSpPr>
+          <p:cNvPr id="2" name="Title 1">
+            <a:extLst>
+              <a:ext uri="{FF2B5EF4-FFF2-40B4-BE49-F238E27FC236}">
+                <a16:creationId xmlns:a16="http://schemas.microsoft.com/office/drawing/2014/main" id="{106A3878-E9C4-44A3-AB4C-187752B93218}"/>
+              </a:ext>
+            </a:extLst>
+          </p:cNvPr>
+          <p:cNvSpPr>
+            <a:spLocks noGrp="1"/>
+          </p:cNvSpPr>
+          <p:nvPr>
+            <p:ph type="title"/>
+          </p:nvPr>
+        </p:nvSpPr>
+        <p:spPr>
+          <a:xfrm>
+            <a:off x="581454" y="617675"/>
+            <a:ext cx="8770571" cy="1345269"/>
+          </a:xfrm>
+        </p:spPr>
+        <p:txBody>
+          <a:bodyPr>
+            <a:normAutofit fontScale="90000"/>
+          </a:bodyPr>
+          <a:lstStyle/>
+          <a:p>
+            <a:r>
+              <a:rPr lang="sr-Latn-RS" dirty="0"/>
+              <a:t>Lista nekih operacija i tipova zaključavanja koje koriste</a:t>
+            </a:r>
+            <a:endParaRPr lang="en-US" dirty="0"/>
+          </a:p>
+        </p:txBody>
+      </p:sp>
+      <p:pic>
+        <p:nvPicPr>
+          <p:cNvPr id="4" name="Picture 3">
+            <a:extLst>
+              <a:ext uri="{FF2B5EF4-FFF2-40B4-BE49-F238E27FC236}">
+                <a16:creationId xmlns:a16="http://schemas.microsoft.com/office/drawing/2014/main" id="{883DD2D7-0444-4971-87E0-95FF351AC764}"/>
+              </a:ext>
+            </a:extLst>
+          </p:cNvPr>
+          <p:cNvPicPr/>
+          <p:nvPr/>
+        </p:nvPicPr>
+        <p:blipFill>
+          <a:blip r:embed="rId2">
+            <a:extLst>
+              <a:ext uri="{28A0092B-C50C-407E-A947-70E740481C1C}">
+                <a14:useLocalDpi xmlns:a14="http://schemas.microsoft.com/office/drawing/2010/main" val="0"/>
+              </a:ext>
+            </a:extLst>
+          </a:blip>
+          <a:stretch>
+            <a:fillRect/>
+          </a:stretch>
+        </p:blipFill>
+        <p:spPr>
+          <a:xfrm>
+            <a:off x="5250826" y="2233139"/>
+            <a:ext cx="5349240" cy="4528820"/>
+          </a:xfrm>
+          <a:prstGeom prst="rect">
+            <a:avLst/>
+          </a:prstGeom>
+        </p:spPr>
+      </p:pic>
+    </p:spTree>
+    <p:extLst>
+      <p:ext uri="{BB962C8B-B14F-4D97-AF65-F5344CB8AC3E}">
+        <p14:creationId xmlns:p14="http://schemas.microsoft.com/office/powerpoint/2010/main" val="1532400381"/>
+      </p:ext>
+    </p:extLst>
+  </p:cSld>
+  <p:clrMapOvr>
+    <a:masterClrMapping/>
+  </p:clrMapOvr>
+</p:sld>
+</file>
+
+<file path=ppt/slides/slide19.xml><?xml version="1.0" encoding="utf-8"?>
 <p:sld xmlns:a="http://schemas.openxmlformats.org/drawingml/2006/main" xmlns:r="http://schemas.openxmlformats.org/officeDocument/2006/relationships" xmlns:p="http://schemas.openxmlformats.org/presentationml/2006/main">
   <p:cSld>
     <p:spTree>
@@ -15441,73 +16535,6 @@
 </p:sld>
 </file>
 
-<file path=ppt/slides/slide17.xml><?xml version="1.0" encoding="utf-8"?>
-<p:sld xmlns:a="http://schemas.openxmlformats.org/drawingml/2006/main" xmlns:r="http://schemas.openxmlformats.org/officeDocument/2006/relationships" xmlns:p="http://schemas.openxmlformats.org/presentationml/2006/main">
-  <p:cSld>
-    <p:spTree>
-      <p:nvGrpSpPr>
-        <p:cNvPr id="1" name=""/>
-        <p:cNvGrpSpPr/>
-        <p:nvPr/>
-      </p:nvGrpSpPr>
-      <p:grpSpPr>
-        <a:xfrm>
-          <a:off x="0" y="0"/>
-          <a:ext cx="0" cy="0"/>
-          <a:chOff x="0" y="0"/>
-          <a:chExt cx="0" cy="0"/>
-        </a:xfrm>
-      </p:grpSpPr>
-      <p:sp>
-        <p:nvSpPr>
-          <p:cNvPr id="3" name="Čuvar mesta za sadržaj 2">
-            <a:extLst>
-              <a:ext uri="{FF2B5EF4-FFF2-40B4-BE49-F238E27FC236}">
-                <a16:creationId xmlns:a16="http://schemas.microsoft.com/office/drawing/2014/main" id="{36E4A50E-F89E-4743-8D1E-90FCFC3FE31A}"/>
-              </a:ext>
-            </a:extLst>
-          </p:cNvPr>
-          <p:cNvSpPr>
-            <a:spLocks noGrp="1"/>
-          </p:cNvSpPr>
-          <p:nvPr>
-            <p:ph idx="1"/>
-          </p:nvPr>
-        </p:nvSpPr>
-        <p:spPr>
-          <a:xfrm>
-            <a:off x="2782503" y="2292223"/>
-            <a:ext cx="8770571" cy="3651504"/>
-          </a:xfrm>
-        </p:spPr>
-        <p:txBody>
-          <a:bodyPr vert="horz" lIns="109728" tIns="109728" rIns="109728" bIns="91440" rtlCol="0" anchor="t">
-            <a:normAutofit/>
-          </a:bodyPr>
-          <a:lstStyle/>
-          <a:p>
-            <a:r>
-              <a:rPr lang="sr-Latn-RS" sz="5400" b="1">
-                <a:ea typeface="Meiryo"/>
-              </a:rPr>
-              <a:t>Hvala na pažnji!</a:t>
-            </a:r>
-          </a:p>
-        </p:txBody>
-      </p:sp>
-    </p:spTree>
-    <p:extLst>
-      <p:ext uri="{BB962C8B-B14F-4D97-AF65-F5344CB8AC3E}">
-        <p14:creationId xmlns:p14="http://schemas.microsoft.com/office/powerpoint/2010/main" val="2862457781"/>
-      </p:ext>
-    </p:extLst>
-  </p:cSld>
-  <p:clrMapOvr>
-    <a:masterClrMapping/>
-  </p:clrMapOvr>
-</p:sld>
-</file>
-
 <file path=ppt/slides/slide2.xml><?xml version="1.0" encoding="utf-8"?>
 <p:sld xmlns:a="http://schemas.openxmlformats.org/drawingml/2006/main" xmlns:r="http://schemas.openxmlformats.org/officeDocument/2006/relationships" xmlns:p="http://schemas.openxmlformats.org/presentationml/2006/main">
   <p:cSld>
@@ -15572,14 +16599,14 @@
             <p:ph idx="1"/>
             <p:extLst>
               <p:ext uri="{D42A27DB-BD31-4B8C-83A1-F6EECF244321}">
-                <p14:modId xmlns:p14="http://schemas.microsoft.com/office/powerpoint/2010/main" val="2114974050"/>
+                <p14:modId xmlns:p14="http://schemas.microsoft.com/office/powerpoint/2010/main" val="2871104871"/>
               </p:ext>
             </p:extLst>
           </p:nvPr>
         </p:nvGraphicFramePr>
         <p:xfrm>
-          <a:off x="1920240" y="2312276"/>
-          <a:ext cx="8770571" cy="3651504"/>
+          <a:off x="2053405" y="2392781"/>
+          <a:ext cx="7268148" cy="4022999"/>
         </p:xfrm>
         <a:graphic>
           <a:graphicData uri="http://schemas.openxmlformats.org/drawingml/2006/diagram">
@@ -15619,6 +16646,73 @@
     <p:extLst>
       <p:ext uri="{BB962C8B-B14F-4D97-AF65-F5344CB8AC3E}">
         <p14:creationId xmlns:p14="http://schemas.microsoft.com/office/powerpoint/2010/main" val="2956070899"/>
+      </p:ext>
+    </p:extLst>
+  </p:cSld>
+  <p:clrMapOvr>
+    <a:masterClrMapping/>
+  </p:clrMapOvr>
+</p:sld>
+</file>
+
+<file path=ppt/slides/slide20.xml><?xml version="1.0" encoding="utf-8"?>
+<p:sld xmlns:a="http://schemas.openxmlformats.org/drawingml/2006/main" xmlns:r="http://schemas.openxmlformats.org/officeDocument/2006/relationships" xmlns:p="http://schemas.openxmlformats.org/presentationml/2006/main">
+  <p:cSld>
+    <p:spTree>
+      <p:nvGrpSpPr>
+        <p:cNvPr id="1" name=""/>
+        <p:cNvGrpSpPr/>
+        <p:nvPr/>
+      </p:nvGrpSpPr>
+      <p:grpSpPr>
+        <a:xfrm>
+          <a:off x="0" y="0"/>
+          <a:ext cx="0" cy="0"/>
+          <a:chOff x="0" y="0"/>
+          <a:chExt cx="0" cy="0"/>
+        </a:xfrm>
+      </p:grpSpPr>
+      <p:sp>
+        <p:nvSpPr>
+          <p:cNvPr id="3" name="Čuvar mesta za sadržaj 2">
+            <a:extLst>
+              <a:ext uri="{FF2B5EF4-FFF2-40B4-BE49-F238E27FC236}">
+                <a16:creationId xmlns:a16="http://schemas.microsoft.com/office/drawing/2014/main" id="{36E4A50E-F89E-4743-8D1E-90FCFC3FE31A}"/>
+              </a:ext>
+            </a:extLst>
+          </p:cNvPr>
+          <p:cNvSpPr>
+            <a:spLocks noGrp="1"/>
+          </p:cNvSpPr>
+          <p:nvPr>
+            <p:ph idx="1"/>
+          </p:nvPr>
+        </p:nvSpPr>
+        <p:spPr>
+          <a:xfrm>
+            <a:off x="2782503" y="2292223"/>
+            <a:ext cx="8770571" cy="3651504"/>
+          </a:xfrm>
+        </p:spPr>
+        <p:txBody>
+          <a:bodyPr vert="horz" lIns="109728" tIns="109728" rIns="109728" bIns="91440" rtlCol="0" anchor="t">
+            <a:normAutofit/>
+          </a:bodyPr>
+          <a:lstStyle/>
+          <a:p>
+            <a:r>
+              <a:rPr lang="sr-Latn-RS" sz="5400" b="1">
+                <a:ea typeface="Meiryo"/>
+              </a:rPr>
+              <a:t>Hvala na pažnji!</a:t>
+            </a:r>
+          </a:p>
+        </p:txBody>
+      </p:sp>
+    </p:spTree>
+    <p:extLst>
+      <p:ext uri="{BB962C8B-B14F-4D97-AF65-F5344CB8AC3E}">
+        <p14:creationId xmlns:p14="http://schemas.microsoft.com/office/powerpoint/2010/main" val="2862457781"/>
       </p:ext>
     </p:extLst>
   </p:cSld>
@@ -15822,27 +16916,13 @@
               <a:buChar char="•"/>
             </a:pPr>
             <a:r>
-              <a:rPr lang="sr-Latn-RS" sz="1300">
+              <a:rPr lang="sr-Latn-RS" sz="1300" dirty="0">
                 <a:ea typeface="+mn-lt"/>
                 <a:cs typeface="+mn-lt"/>
               </a:rPr>
-              <a:t>ACID svojstva potrebna samo </a:t>
+              <a:t>ACID svojstva potrebna samo starodmodnim aplikacijama koje svoje podatke čuvaju u jednom data centru.</a:t>
             </a:r>
-            <a:r>
-              <a:rPr lang="sr-Latn-RS" sz="1300" err="1">
-                <a:ea typeface="+mn-lt"/>
-                <a:cs typeface="+mn-lt"/>
-              </a:rPr>
-              <a:t>starodmodnim</a:t>
-            </a:r>
-            <a:r>
-              <a:rPr lang="sr-Latn-RS" sz="1300">
-                <a:ea typeface="+mn-lt"/>
-                <a:cs typeface="+mn-lt"/>
-              </a:rPr>
-              <a:t> aplikacijama koje svoje podatke čuvaju u jednom data centru.</a:t>
-            </a:r>
-            <a:endParaRPr lang="sr-Latn-RS" sz="1300"/>
+            <a:endParaRPr lang="sr-Latn-RS" sz="1300" dirty="0"/>
           </a:p>
           <a:p>
             <a:pPr marL="285750" indent="-285750">
@@ -15853,25 +16933,11 @@
               <a:buChar char="•"/>
             </a:pPr>
             <a:r>
-              <a:rPr lang="sr-Latn-RS" sz="1300">
+              <a:rPr lang="sr-Latn-RS" sz="1300" dirty="0">
                 <a:ea typeface="+mn-lt"/>
                 <a:cs typeface="+mn-lt"/>
               </a:rPr>
-              <a:t>Moderne distribuirane aplikacije trebaju fokusirati na linearnu skalabilnost propraćenu sa niskom </a:t>
-            </a:r>
-            <a:r>
-              <a:rPr lang="sr-Latn-RS" sz="1300" err="1">
-                <a:ea typeface="+mn-lt"/>
-                <a:cs typeface="+mn-lt"/>
-              </a:rPr>
-              <a:t>latencijom</a:t>
-            </a:r>
-            <a:r>
-              <a:rPr lang="sr-Latn-RS" sz="1300">
-                <a:ea typeface="+mn-lt"/>
-                <a:cs typeface="+mn-lt"/>
-              </a:rPr>
-              <a:t>, najčešće tačnim operacijama nad jednim ključem, u deljivom prostoru.</a:t>
+              <a:t>Moderne distribuirane aplikacije trebaju se fokusirati na linearnu skalabilnost propraćenu sa niskom latencijom, najčešće tačnim operacijama nad jednim ključem, u deljivom prostoru.</a:t>
             </a:r>
           </a:p>
           <a:p>
@@ -15883,7 +16949,7 @@
               <a:buChar char="•"/>
             </a:pPr>
             <a:r>
-              <a:rPr lang="sr-Latn-RS" sz="1300">
+              <a:rPr lang="sr-Latn-RS" sz="1300" dirty="0">
                 <a:ea typeface="+mn-lt"/>
                 <a:cs typeface="+mn-lt"/>
               </a:rPr>
@@ -15899,32 +16965,11 @@
               <a:buChar char="•"/>
             </a:pPr>
             <a:r>
-              <a:rPr lang="sr-Latn-RS" sz="1300" err="1">
+              <a:rPr lang="sr-Latn-RS" sz="1300" dirty="0">
                 <a:ea typeface="+mn-lt"/>
                 <a:cs typeface="+mn-lt"/>
               </a:rPr>
-              <a:t>MongoDB</a:t>
-            </a:r>
-            <a:r>
-              <a:rPr lang="sr-Latn-RS" sz="1300">
-                <a:ea typeface="+mn-lt"/>
-                <a:cs typeface="+mn-lt"/>
-              </a:rPr>
-              <a:t> 2018. Godine uvodi </a:t>
-            </a:r>
-            <a:r>
-              <a:rPr lang="sr-Latn-RS" sz="1300" err="1">
-                <a:ea typeface="+mn-lt"/>
-                <a:cs typeface="+mn-lt"/>
-              </a:rPr>
-              <a:t>višedokumentne</a:t>
-            </a:r>
-            <a:r>
-              <a:rPr lang="sr-Latn-RS" sz="1300">
-                <a:ea typeface="+mn-lt"/>
-                <a:cs typeface="+mn-lt"/>
-              </a:rPr>
-              <a:t> transakcije.</a:t>
+              <a:t>MongoDB 2018. godine uvodi višedokumentne transakcije.</a:t>
             </a:r>
           </a:p>
         </p:txBody>
@@ -16836,12 +17881,12 @@
           <a:lstStyle/>
           <a:p>
             <a:r>
-              <a:rPr lang="sr-Latn-RS">
+              <a:rPr lang="sr-Latn-RS" dirty="0">
                 <a:ea typeface="Meiryo"/>
               </a:rPr>
               <a:t>MongoDB transakcije</a:t>
             </a:r>
-            <a:endParaRPr lang="sr-Latn-RS"/>
+            <a:endParaRPr lang="sr-Latn-RS" dirty="0"/>
           </a:p>
         </p:txBody>
       </p:sp>
@@ -16863,13 +17908,13 @@
         </p:nvSpPr>
         <p:spPr>
           <a:xfrm>
-            <a:off x="914400" y="2496720"/>
-            <a:ext cx="5181599" cy="3467518"/>
+            <a:off x="555506" y="2416188"/>
+            <a:ext cx="5766379" cy="3886733"/>
           </a:xfrm>
         </p:spPr>
         <p:txBody>
           <a:bodyPr vert="horz" lIns="109728" tIns="109728" rIns="109728" bIns="91440" rtlCol="0" anchor="t">
-            <a:normAutofit/>
+            <a:normAutofit fontScale="92500"/>
           </a:bodyPr>
           <a:lstStyle/>
           <a:p>
@@ -16881,19 +17926,19 @@
               <a:buChar char="•"/>
             </a:pPr>
             <a:r>
-              <a:rPr lang="sr-Latn-RS" sz="1500">
+              <a:rPr lang="sr-Latn-RS" dirty="0">
                 <a:ea typeface="Meiryo"/>
               </a:rPr>
               <a:t>Jedini način za implementaciju nečega sličnog transakcijama je bio </a:t>
             </a:r>
             <a:r>
-              <a:rPr lang="sr-Latn-RS" sz="1500" err="1">
+              <a:rPr lang="sr-Latn-RS" i="1" dirty="0">
                 <a:ea typeface="Meiryo"/>
               </a:rPr>
               <a:t>commit</a:t>
             </a:r>
             <a:r>
-              <a:rPr lang="sr-Latn-RS" sz="1500">
+              <a:rPr lang="sr-Latn-RS" dirty="0">
                 <a:ea typeface="Meiryo"/>
               </a:rPr>
               <a:t> proces u 2 faze</a:t>
@@ -16908,11 +17953,11 @@
               <a:buChar char="•"/>
             </a:pPr>
             <a:r>
-              <a:rPr lang="sr-Latn-RS" sz="1500">
+              <a:rPr lang="sr-Latn-RS" dirty="0">
                 <a:ea typeface="+mn-lt"/>
                 <a:cs typeface="+mn-lt"/>
               </a:rPr>
-              <a:t>Počev od verzije 4.0 MongoDB omogućava višedokuementne transakcije nad setovima replika. </a:t>
+              <a:t>Počev od verzije 4.0 MongoDB omogućava višedokumentne transakcije nad setovima replika. </a:t>
             </a:r>
           </a:p>
           <a:p>
@@ -16924,13 +17969,13 @@
               <a:buChar char="•"/>
             </a:pPr>
             <a:r>
-              <a:rPr lang="sr-Latn-RS" sz="1500">
+              <a:rPr lang="sr-Latn-RS" dirty="0">
                 <a:ea typeface="+mn-lt"/>
                 <a:cs typeface="+mn-lt"/>
               </a:rPr>
               <a:t>Počev od verzije 4.2 MongoDB uvodi distribuirane transakcije, što obezbeđuje podršku za višedokumentne transakcije nad shard-ovanim(izdeljenim) klasterima.</a:t>
             </a:r>
-            <a:endParaRPr lang="sr-Latn-RS" sz="1500">
+            <a:endParaRPr lang="sr-Latn-RS" dirty="0">
               <a:ea typeface="Meiryo"/>
             </a:endParaRPr>
           </a:p>
@@ -17797,6 +18842,42 @@
           </a:prstGeom>
         </p:spPr>
       </p:pic>
+      <p:sp>
+        <p:nvSpPr>
+          <p:cNvPr id="2" name="TextBox 1">
+            <a:extLst>
+              <a:ext uri="{FF2B5EF4-FFF2-40B4-BE49-F238E27FC236}">
+                <a16:creationId xmlns:a16="http://schemas.microsoft.com/office/drawing/2014/main" id="{1028D73B-02D8-411D-8F3E-8E4FF44CEBB5}"/>
+              </a:ext>
+            </a:extLst>
+          </p:cNvPr>
+          <p:cNvSpPr txBox="1"/>
+          <p:nvPr/>
+        </p:nvSpPr>
+        <p:spPr>
+          <a:xfrm>
+            <a:off x="8504808" y="4524948"/>
+            <a:ext cx="1863011" cy="338554"/>
+          </a:xfrm>
+          <a:prstGeom prst="rect">
+            <a:avLst/>
+          </a:prstGeom>
+          <a:noFill/>
+        </p:spPr>
+        <p:txBody>
+          <a:bodyPr wrap="none" rtlCol="0">
+            <a:spAutoFit/>
+          </a:bodyPr>
+          <a:lstStyle/>
+          <a:p>
+            <a:r>
+              <a:rPr lang="sr-Latn-RS" sz="1600" i="1" dirty="0"/>
+              <a:t>Dvofazni commit</a:t>
+            </a:r>
+            <a:endParaRPr lang="en-US" sz="1600" i="1" dirty="0"/>
+          </a:p>
+        </p:txBody>
+      </p:sp>
     </p:spTree>
     <p:extLst>
       <p:ext uri="{BB962C8B-B14F-4D97-AF65-F5344CB8AC3E}">
